--- a/seewaldSER2025.pptx
+++ b/seewaldSER2025.pptx
@@ -5,7 +5,7 @@
     <p:sldMasterId id="2147483695" r:id="rId7"/>
   </p:sldMasterIdLst>
   <p:notesMasterIdLst>
-    <p:notesMasterId r:id="rId30"/>
+    <p:notesMasterId r:id="rId31"/>
   </p:notesMasterIdLst>
   <p:sldIdLst>
     <p:sldId id="259" r:id="rId8"/>
@@ -26,49 +26,50 @@
     <p:sldId id="352" r:id="rId23"/>
     <p:sldId id="353" r:id="rId24"/>
     <p:sldId id="354" r:id="rId25"/>
-    <p:sldId id="355" r:id="rId26"/>
-    <p:sldId id="357" r:id="rId27"/>
-    <p:sldId id="343" r:id="rId28"/>
-    <p:sldId id="258" r:id="rId29"/>
+    <p:sldId id="358" r:id="rId26"/>
+    <p:sldId id="355" r:id="rId27"/>
+    <p:sldId id="357" r:id="rId28"/>
+    <p:sldId id="343" r:id="rId29"/>
+    <p:sldId id="258" r:id="rId30"/>
   </p:sldIdLst>
   <p:sldSz cx="12192000" cy="6858000"/>
   <p:notesSz cx="6858000" cy="9144000"/>
   <p:embeddedFontLst>
     <p:embeddedFont>
       <p:font typeface="Architects Daughter" pitchFamily="2" charset="0"/>
-      <p:regular r:id="rId31"/>
+      <p:regular r:id="rId32"/>
     </p:embeddedFont>
     <p:embeddedFont>
       <p:font typeface="Cambria Math" panose="02040503050406030204" pitchFamily="18" charset="0"/>
-      <p:regular r:id="rId32"/>
+      <p:regular r:id="rId33"/>
     </p:embeddedFont>
     <p:embeddedFont>
       <p:font typeface="DM Mono" panose="020B0509040201040103" pitchFamily="49" charset="77"/>
-      <p:regular r:id="rId33"/>
-      <p:italic r:id="rId34"/>
+      <p:regular r:id="rId34"/>
+      <p:italic r:id="rId35"/>
     </p:embeddedFont>
     <p:embeddedFont>
       <p:font typeface="DM Sans 14pt" pitchFamily="2" charset="77"/>
-      <p:regular r:id="rId35"/>
-      <p:bold r:id="rId36"/>
-      <p:italic r:id="rId37"/>
-      <p:boldItalic r:id="rId38"/>
+      <p:regular r:id="rId36"/>
+      <p:bold r:id="rId37"/>
+      <p:italic r:id="rId38"/>
+      <p:boldItalic r:id="rId39"/>
     </p:embeddedFont>
     <p:embeddedFont>
       <p:font typeface="Domine" panose="02040503040403060204" pitchFamily="18" charset="0"/>
-      <p:regular r:id="rId39"/>
-      <p:bold r:id="rId40"/>
+      <p:regular r:id="rId40"/>
+      <p:bold r:id="rId41"/>
     </p:embeddedFont>
     <p:embeddedFont>
       <p:font typeface="IBM Plex Mono" panose="020B0509050203000203" pitchFamily="49" charset="77"/>
-      <p:regular r:id="rId41"/>
-      <p:bold r:id="rId42"/>
-      <p:italic r:id="rId43"/>
-      <p:boldItalic r:id="rId44"/>
+      <p:regular r:id="rId42"/>
+      <p:bold r:id="rId43"/>
+      <p:italic r:id="rId44"/>
+      <p:boldItalic r:id="rId45"/>
     </p:embeddedFont>
   </p:embeddedFontLst>
   <p:custDataLst>
-    <p:tags r:id="rId45"/>
+    <p:tags r:id="rId46"/>
   </p:custDataLst>
   <p:defaultTextStyle>
     <a:defPPr>
@@ -759,7 +760,7 @@
           <a:p>
             <a:fld id="{05E21C0D-9E07-4C74-9A59-193F61F62892}" type="slidenum">
               <a:rPr lang="en-GB" smtClean="0"/>
-              <a:t>19</a:t>
+              <a:t>20</a:t>
             </a:fld>
             <a:endParaRPr lang="en-GB"/>
           </a:p>
@@ -867,7 +868,7 @@
           <a:p>
             <a:fld id="{05E21C0D-9E07-4C74-9A59-193F61F62892}" type="slidenum">
               <a:rPr lang="en-GB" smtClean="0"/>
-              <a:t>20</a:t>
+              <a:t>21</a:t>
             </a:fld>
             <a:endParaRPr lang="en-GB"/>
           </a:p>
@@ -33984,15 +33985,8 @@
             </a:pPr>
             <a:r>
               <a:rPr lang="en-US" dirty="0"/>
-              <a:t>Similar number of treated and control states (CITE)</a:t>
+              <a:t>Similar number of treated and control states (Rokicki et al. 2018)</a:t>
             </a:r>
-          </a:p>
-          <a:p>
-            <a:pPr marL="342900" indent="-342900">
-              <a:buFont typeface="Arial" panose="020B0604020202020204" pitchFamily="34" charset="0"/>
-              <a:buChar char="•"/>
-            </a:pPr>
-            <a:endParaRPr lang="en-US" dirty="0"/>
           </a:p>
           <a:p>
             <a:endParaRPr lang="en-US" dirty="0"/>
@@ -34086,6 +34080,67 @@
           </a:prstGeom>
         </p:spPr>
       </p:pic>
+      <p:sp>
+        <p:nvSpPr>
+          <p:cNvPr id="8" name="TextBox 7">
+            <a:extLst>
+              <a:ext uri="{FF2B5EF4-FFF2-40B4-BE49-F238E27FC236}">
+                <a16:creationId xmlns:a16="http://schemas.microsoft.com/office/drawing/2014/main" id="{DF2A11AF-D2C2-EB50-D0DF-0D76CDF758D4}"/>
+              </a:ext>
+            </a:extLst>
+          </p:cNvPr>
+          <p:cNvSpPr txBox="1"/>
+          <p:nvPr/>
+        </p:nvSpPr>
+        <p:spPr>
+          <a:xfrm>
+            <a:off x="493668" y="5702404"/>
+            <a:ext cx="8419989" cy="738664"/>
+          </a:xfrm>
+          <a:prstGeom prst="rect">
+            <a:avLst/>
+          </a:prstGeom>
+          <a:noFill/>
+        </p:spPr>
+        <p:txBody>
+          <a:bodyPr wrap="square">
+            <a:spAutoFit/>
+          </a:bodyPr>
+          <a:lstStyle/>
+          <a:p>
+            <a:r>
+              <a:rPr lang="en-US" sz="1400" dirty="0">
+                <a:solidFill>
+                  <a:schemeClr val="accent4"/>
+                </a:solidFill>
+                <a:effectLst/>
+                <a:latin typeface="DM Sans 14pt" pitchFamily="2" charset="77"/>
+              </a:rPr>
+              <a:t>Rokicki S, Cohen J, Fink G, Salomon JA, Landrum MB. Inference With Difference-in-Differences With a Small Number of Groups: A Review, Simulation Study, and Empirical Application Using SHARE Data. </a:t>
+            </a:r>
+            <a:r>
+              <a:rPr lang="en-US" sz="1400" i="1" dirty="0">
+                <a:solidFill>
+                  <a:schemeClr val="accent4"/>
+                </a:solidFill>
+                <a:effectLst/>
+                <a:latin typeface="DM Sans 14pt" pitchFamily="2" charset="77"/>
+              </a:rPr>
+              <a:t>Medical Care</a:t>
+            </a:r>
+            <a:r>
+              <a:rPr lang="en-US" sz="1400" dirty="0">
+                <a:solidFill>
+                  <a:schemeClr val="accent4"/>
+                </a:solidFill>
+                <a:effectLst/>
+                <a:latin typeface="DM Sans 14pt" pitchFamily="2" charset="77"/>
+              </a:rPr>
+              <a:t>. 2018;56(1):97-105.</a:t>
+            </a:r>
+          </a:p>
+        </p:txBody>
+      </p:sp>
     </p:spTree>
     <p:extLst>
       <p:ext uri="{BB962C8B-B14F-4D97-AF65-F5344CB8AC3E}">
@@ -45092,12 +45147,1799 @@
           </a:graphicData>
         </a:graphic>
       </p:graphicFrame>
+    </p:spTree>
+    <p:extLst>
+      <p:ext uri="{BB962C8B-B14F-4D97-AF65-F5344CB8AC3E}">
+        <p14:creationId xmlns:p14="http://schemas.microsoft.com/office/powerpoint/2010/main" val="19354202"/>
+      </p:ext>
+    </p:extLst>
+  </p:cSld>
+  <p:clrMapOvr>
+    <a:masterClrMapping/>
+  </p:clrMapOvr>
+</p:sld>
+</file>
+
+<file path=ppt/slides/slide19.xml><?xml version="1.0" encoding="utf-8"?>
+<p:sld xmlns:a="http://schemas.openxmlformats.org/drawingml/2006/main" xmlns:r="http://schemas.openxmlformats.org/officeDocument/2006/relationships" xmlns:p="http://schemas.openxmlformats.org/presentationml/2006/main">
+  <p:cSld>
+    <p:spTree>
+      <p:nvGrpSpPr>
+        <p:cNvPr id="1" name="">
+          <a:extLst>
+            <a:ext uri="{FF2B5EF4-FFF2-40B4-BE49-F238E27FC236}">
+              <a16:creationId xmlns:a16="http://schemas.microsoft.com/office/drawing/2014/main" id="{D2191606-42C9-2FA6-795F-57442A36B5EC}"/>
+            </a:ext>
+          </a:extLst>
+        </p:cNvPr>
+        <p:cNvGrpSpPr/>
+        <p:nvPr/>
+      </p:nvGrpSpPr>
+      <p:grpSpPr>
+        <a:xfrm>
+          <a:off x="0" y="0"/>
+          <a:ext cx="0" cy="0"/>
+          <a:chOff x="0" y="0"/>
+          <a:chExt cx="0" cy="0"/>
+        </a:xfrm>
+      </p:grpSpPr>
+      <p:sp>
+        <p:nvSpPr>
+          <p:cNvPr id="2" name="Title 1">
+            <a:extLst>
+              <a:ext uri="{FF2B5EF4-FFF2-40B4-BE49-F238E27FC236}">
+                <a16:creationId xmlns:a16="http://schemas.microsoft.com/office/drawing/2014/main" id="{D68BCD7E-2BA3-B149-9ECB-436655EF7238}"/>
+              </a:ext>
+            </a:extLst>
+          </p:cNvPr>
+          <p:cNvSpPr>
+            <a:spLocks noGrp="1"/>
+          </p:cNvSpPr>
+          <p:nvPr>
+            <p:ph type="title"/>
+          </p:nvPr>
+        </p:nvSpPr>
+        <p:spPr>
+          <a:xfrm>
+            <a:off x="493668" y="720000"/>
+            <a:ext cx="11204664" cy="907200"/>
+          </a:xfrm>
+        </p:spPr>
+        <p:txBody>
+          <a:bodyPr/>
+          <a:lstStyle/>
+          <a:p>
+            <a:r>
+              <a:rPr lang="en-US" sz="3600" dirty="0"/>
+              <a:t>Block Exchangeable Correlation, Confounded</a:t>
+            </a:r>
+          </a:p>
+        </p:txBody>
+      </p:sp>
+      <mc:AlternateContent xmlns:mc="http://schemas.openxmlformats.org/markup-compatibility/2006">
+        <mc:Choice xmlns:a14="http://schemas.microsoft.com/office/drawing/2010/main" Requires="a14">
+          <p:sp>
+            <p:nvSpPr>
+              <p:cNvPr id="3" name="Content Placeholder 2">
+                <a:extLst>
+                  <a:ext uri="{FF2B5EF4-FFF2-40B4-BE49-F238E27FC236}">
+                    <a16:creationId xmlns:a16="http://schemas.microsoft.com/office/drawing/2014/main" id="{AD33C6C6-E5D7-31C4-6EA7-F0BBA2F94F9A}"/>
+                  </a:ext>
+                </a:extLst>
+              </p:cNvPr>
+              <p:cNvSpPr>
+                <a:spLocks noGrp="1"/>
+              </p:cNvSpPr>
+              <p:nvPr>
+                <p:ph idx="1"/>
+              </p:nvPr>
+            </p:nvSpPr>
+            <p:spPr>
+              <a:xfrm>
+                <a:off x="719138" y="1627200"/>
+                <a:ext cx="2905377" cy="3884769"/>
+              </a:xfrm>
+            </p:spPr>
+            <p:txBody>
+              <a:bodyPr/>
+              <a:lstStyle/>
+              <a:p>
+                <a:pPr/>
+                <a14:m>
+                  <m:oMathPara xmlns:m="http://schemas.openxmlformats.org/officeDocument/2006/math">
+                    <m:oMathParaPr>
+                      <m:jc m:val="centerGroup"/>
+                    </m:oMathParaPr>
+                    <m:oMath xmlns:m="http://schemas.openxmlformats.org/officeDocument/2006/math">
+                      <m:sSub>
+                        <m:sSubPr>
+                          <m:ctrlPr>
+                            <a:rPr lang="en-US" sz="2000" b="0" i="1" smtClean="0">
+                              <a:latin typeface="Cambria Math" panose="02040503050406030204" pitchFamily="18" charset="0"/>
+                            </a:rPr>
+                          </m:ctrlPr>
+                        </m:sSubPr>
+                        <m:e>
+                          <m:r>
+                            <a:rPr lang="en-US" sz="2000" b="0" i="1" smtClean="0">
+                              <a:latin typeface="Cambria Math" panose="02040503050406030204" pitchFamily="18" charset="0"/>
+                            </a:rPr>
+                            <m:t>𝑌</m:t>
+                          </m:r>
+                        </m:e>
+                        <m:sub>
+                          <m:r>
+                            <a:rPr lang="en-US" sz="2000" b="0" i="1" smtClean="0">
+                              <a:latin typeface="Cambria Math" panose="02040503050406030204" pitchFamily="18" charset="0"/>
+                            </a:rPr>
+                            <m:t>𝛾</m:t>
+                          </m:r>
+                          <m:r>
+                            <a:rPr lang="en-US" sz="2000" b="0" i="1" smtClean="0">
+                              <a:latin typeface="Cambria Math" panose="02040503050406030204" pitchFamily="18" charset="0"/>
+                            </a:rPr>
+                            <m:t>𝑖𝑡</m:t>
+                          </m:r>
+                        </m:sub>
+                      </m:sSub>
+                      <m:r>
+                        <a:rPr lang="en-US" sz="2000" b="0" i="1" smtClean="0">
+                          <a:latin typeface="Cambria Math" panose="02040503050406030204" pitchFamily="18" charset="0"/>
+                        </a:rPr>
+                        <m:t>=</m:t>
+                      </m:r>
+                      <m:sSub>
+                        <m:sSubPr>
+                          <m:ctrlPr>
+                            <a:rPr lang="en-US" sz="2000" b="0" i="1" smtClean="0">
+                              <a:latin typeface="Cambria Math" panose="02040503050406030204" pitchFamily="18" charset="0"/>
+                            </a:rPr>
+                          </m:ctrlPr>
+                        </m:sSubPr>
+                        <m:e>
+                          <m:r>
+                            <a:rPr lang="en-US" sz="2000" b="0" i="1" smtClean="0">
+                              <a:latin typeface="Cambria Math" panose="02040503050406030204" pitchFamily="18" charset="0"/>
+                            </a:rPr>
+                            <m:t>𝛽</m:t>
+                          </m:r>
+                        </m:e>
+                        <m:sub>
+                          <m:r>
+                            <a:rPr lang="en-US" sz="2000" b="0" i="1" smtClean="0">
+                              <a:latin typeface="Cambria Math" panose="02040503050406030204" pitchFamily="18" charset="0"/>
+                            </a:rPr>
+                            <m:t>0</m:t>
+                          </m:r>
+                        </m:sub>
+                      </m:sSub>
+                      <m:r>
+                        <a:rPr lang="en-US" sz="2000" b="0" i="1" smtClean="0">
+                          <a:latin typeface="Cambria Math" panose="02040503050406030204" pitchFamily="18" charset="0"/>
+                        </a:rPr>
+                        <m:t>+</m:t>
+                      </m:r>
+                      <m:sSub>
+                        <m:sSubPr>
+                          <m:ctrlPr>
+                            <a:rPr lang="en-US" sz="2000" b="0" i="1" smtClean="0">
+                              <a:latin typeface="Cambria Math" panose="02040503050406030204" pitchFamily="18" charset="0"/>
+                            </a:rPr>
+                          </m:ctrlPr>
+                        </m:sSubPr>
+                        <m:e>
+                          <m:r>
+                            <a:rPr lang="en-US" sz="2000" b="0" i="1" smtClean="0">
+                              <a:latin typeface="Cambria Math" panose="02040503050406030204" pitchFamily="18" charset="0"/>
+                            </a:rPr>
+                            <m:t>𝛽</m:t>
+                          </m:r>
+                        </m:e>
+                        <m:sub>
+                          <m:r>
+                            <a:rPr lang="en-US" sz="2000" b="0" i="1" smtClean="0">
+                              <a:latin typeface="Cambria Math" panose="02040503050406030204" pitchFamily="18" charset="0"/>
+                            </a:rPr>
+                            <m:t>𝑡</m:t>
+                          </m:r>
+                        </m:sub>
+                      </m:sSub>
+                      <m:r>
+                        <a:rPr lang="en-US" sz="2000" b="0" i="1" smtClean="0">
+                          <a:latin typeface="Cambria Math" panose="02040503050406030204" pitchFamily="18" charset="0"/>
+                        </a:rPr>
+                        <m:t>𝑡</m:t>
+                      </m:r>
+                      <m:r>
+                        <a:rPr lang="en-US" sz="2000" b="0" i="1" smtClean="0">
+                          <a:latin typeface="Cambria Math" panose="02040503050406030204" pitchFamily="18" charset="0"/>
+                        </a:rPr>
+                        <m:t>+</m:t>
+                      </m:r>
+                      <m:sSub>
+                        <m:sSubPr>
+                          <m:ctrlPr>
+                            <a:rPr lang="en-US" sz="2000" b="0" i="1" smtClean="0">
+                              <a:latin typeface="Cambria Math" panose="02040503050406030204" pitchFamily="18" charset="0"/>
+                            </a:rPr>
+                          </m:ctrlPr>
+                        </m:sSubPr>
+                        <m:e>
+                          <m:r>
+                            <a:rPr lang="en-US" sz="2000" b="0" i="1" smtClean="0">
+                              <a:latin typeface="Cambria Math" panose="02040503050406030204" pitchFamily="18" charset="0"/>
+                            </a:rPr>
+                            <m:t>𝛽</m:t>
+                          </m:r>
+                        </m:e>
+                        <m:sub>
+                          <m:r>
+                            <a:rPr lang="en-US" sz="2000" b="0" i="1" smtClean="0">
+                              <a:latin typeface="Cambria Math" panose="02040503050406030204" pitchFamily="18" charset="0"/>
+                            </a:rPr>
+                            <m:t>2</m:t>
+                          </m:r>
+                        </m:sub>
+                      </m:sSub>
+                      <m:sSub>
+                        <m:sSubPr>
+                          <m:ctrlPr>
+                            <a:rPr lang="en-US" sz="2000" b="0" i="1" smtClean="0">
+                              <a:latin typeface="Cambria Math" panose="02040503050406030204" pitchFamily="18" charset="0"/>
+                            </a:rPr>
+                          </m:ctrlPr>
+                        </m:sSubPr>
+                        <m:e>
+                          <m:r>
+                            <a:rPr lang="en-US" sz="2000" b="0" i="1" smtClean="0">
+                              <a:latin typeface="Cambria Math" panose="02040503050406030204" pitchFamily="18" charset="0"/>
+                            </a:rPr>
+                            <m:t>𝐴</m:t>
+                          </m:r>
+                        </m:e>
+                        <m:sub>
+                          <m:r>
+                            <a:rPr lang="en-US" sz="2000" b="0" i="1" smtClean="0">
+                              <a:latin typeface="Cambria Math" panose="02040503050406030204" pitchFamily="18" charset="0"/>
+                            </a:rPr>
+                            <m:t>𝛾</m:t>
+                          </m:r>
+                          <m:r>
+                            <a:rPr lang="en-US" sz="2000" b="0" i="1" smtClean="0">
+                              <a:latin typeface="Cambria Math" panose="02040503050406030204" pitchFamily="18" charset="0"/>
+                            </a:rPr>
+                            <m:t>𝑡</m:t>
+                          </m:r>
+                        </m:sub>
+                      </m:sSub>
+                      <m:r>
+                        <a:rPr lang="en-US" sz="2000" b="0" i="1" smtClean="0">
+                          <a:latin typeface="Cambria Math" panose="02040503050406030204" pitchFamily="18" charset="0"/>
+                        </a:rPr>
+                        <m:t>+</m:t>
+                      </m:r>
+                      <m:sSub>
+                        <m:sSubPr>
+                          <m:ctrlPr>
+                            <a:rPr lang="en-US" sz="2000" b="0" i="1" smtClean="0">
+                              <a:latin typeface="Cambria Math" panose="02040503050406030204" pitchFamily="18" charset="0"/>
+                            </a:rPr>
+                          </m:ctrlPr>
+                        </m:sSubPr>
+                        <m:e>
+                          <m:r>
+                            <a:rPr lang="en-US" sz="2000" b="0" i="1" smtClean="0">
+                              <a:latin typeface="Cambria Math" panose="02040503050406030204" pitchFamily="18" charset="0"/>
+                            </a:rPr>
+                            <m:t>𝛽</m:t>
+                          </m:r>
+                        </m:e>
+                        <m:sub>
+                          <m:r>
+                            <a:rPr lang="en-US" sz="2000" b="0" i="1" smtClean="0">
+                              <a:latin typeface="Cambria Math" panose="02040503050406030204" pitchFamily="18" charset="0"/>
+                            </a:rPr>
+                            <m:t>3</m:t>
+                          </m:r>
+                        </m:sub>
+                      </m:sSub>
+                      <m:sSub>
+                        <m:sSubPr>
+                          <m:ctrlPr>
+                            <a:rPr lang="en-US" sz="2000" b="0" i="1" smtClean="0">
+                              <a:latin typeface="Cambria Math" panose="02040503050406030204" pitchFamily="18" charset="0"/>
+                            </a:rPr>
+                          </m:ctrlPr>
+                        </m:sSubPr>
+                        <m:e>
+                          <m:d>
+                            <m:dPr>
+                              <m:ctrlPr>
+                                <a:rPr lang="en-US" sz="2000" b="0" i="1" smtClean="0">
+                                  <a:latin typeface="Cambria Math" panose="02040503050406030204" pitchFamily="18" charset="0"/>
+                                </a:rPr>
+                              </m:ctrlPr>
+                            </m:dPr>
+                            <m:e>
+                              <m:r>
+                                <a:rPr lang="en-US" sz="2000" b="0" i="1" smtClean="0">
+                                  <a:latin typeface="Cambria Math" panose="02040503050406030204" pitchFamily="18" charset="0"/>
+                                </a:rPr>
+                                <m:t>𝑡</m:t>
+                              </m:r>
+                              <m:r>
+                                <a:rPr lang="en-US" sz="2000" b="0" i="1" smtClean="0">
+                                  <a:latin typeface="Cambria Math" panose="02040503050406030204" pitchFamily="18" charset="0"/>
+                                </a:rPr>
+                                <m:t>−</m:t>
+                              </m:r>
+                              <m:sSub>
+                                <m:sSubPr>
+                                  <m:ctrlPr>
+                                    <a:rPr lang="en-US" sz="2000" b="0" i="1" smtClean="0">
+                                      <a:latin typeface="Cambria Math" panose="02040503050406030204" pitchFamily="18" charset="0"/>
+                                    </a:rPr>
+                                  </m:ctrlPr>
+                                </m:sSubPr>
+                                <m:e>
+                                  <m:r>
+                                    <a:rPr lang="en-US" sz="2000" b="0" i="1" smtClean="0">
+                                      <a:latin typeface="Cambria Math" panose="02040503050406030204" pitchFamily="18" charset="0"/>
+                                    </a:rPr>
+                                    <m:t>𝑡</m:t>
+                                  </m:r>
+                                </m:e>
+                                <m:sub>
+                                  <m:r>
+                                    <a:rPr lang="en-US" sz="2000" b="0" i="1" smtClean="0">
+                                      <a:latin typeface="Cambria Math" panose="02040503050406030204" pitchFamily="18" charset="0"/>
+                                    </a:rPr>
+                                    <m:t>∗</m:t>
+                                  </m:r>
+                                </m:sub>
+                              </m:sSub>
+                            </m:e>
+                          </m:d>
+                        </m:e>
+                        <m:sub>
+                          <m:r>
+                            <a:rPr lang="en-US" sz="2000" b="0" i="1" smtClean="0">
+                              <a:latin typeface="Cambria Math" panose="02040503050406030204" pitchFamily="18" charset="0"/>
+                            </a:rPr>
+                            <m:t>+</m:t>
+                          </m:r>
+                        </m:sub>
+                      </m:sSub>
+                      <m:sSub>
+                        <m:sSubPr>
+                          <m:ctrlPr>
+                            <a:rPr lang="en-US" sz="2000" b="0" i="1" smtClean="0">
+                              <a:latin typeface="Cambria Math" panose="02040503050406030204" pitchFamily="18" charset="0"/>
+                            </a:rPr>
+                          </m:ctrlPr>
+                        </m:sSubPr>
+                        <m:e>
+                          <m:r>
+                            <a:rPr lang="en-US" sz="2000" b="0" i="1" smtClean="0">
+                              <a:latin typeface="Cambria Math" panose="02040503050406030204" pitchFamily="18" charset="0"/>
+                            </a:rPr>
+                            <m:t>𝐴</m:t>
+                          </m:r>
+                        </m:e>
+                        <m:sub>
+                          <m:r>
+                            <a:rPr lang="en-US" sz="2000" b="0" i="1" smtClean="0">
+                              <a:latin typeface="Cambria Math" panose="02040503050406030204" pitchFamily="18" charset="0"/>
+                            </a:rPr>
+                            <m:t>𝛾</m:t>
+                          </m:r>
+                          <m:r>
+                            <a:rPr lang="en-US" sz="2000" b="0" i="1" smtClean="0">
+                              <a:latin typeface="Cambria Math" panose="02040503050406030204" pitchFamily="18" charset="0"/>
+                            </a:rPr>
+                            <m:t>𝑡</m:t>
+                          </m:r>
+                        </m:sub>
+                      </m:sSub>
+                      <m:r>
+                        <a:rPr lang="en-US" sz="2000" b="0" i="1" smtClean="0">
+                          <a:latin typeface="Cambria Math" panose="02040503050406030204" pitchFamily="18" charset="0"/>
+                        </a:rPr>
+                        <m:t>+</m:t>
+                      </m:r>
+                      <m:sSub>
+                        <m:sSubPr>
+                          <m:ctrlPr>
+                            <a:rPr lang="en-US" sz="2000" b="1" i="1" smtClean="0">
+                              <a:latin typeface="Cambria Math" panose="02040503050406030204" pitchFamily="18" charset="0"/>
+                            </a:rPr>
+                          </m:ctrlPr>
+                        </m:sSubPr>
+                        <m:e>
+                          <m:r>
+                            <a:rPr lang="en-US" sz="2000" b="1" i="1" smtClean="0">
+                              <a:latin typeface="Cambria Math" panose="02040503050406030204" pitchFamily="18" charset="0"/>
+                            </a:rPr>
+                            <m:t>𝜼</m:t>
+                          </m:r>
+                        </m:e>
+                        <m:sub>
+                          <m:r>
+                            <a:rPr lang="en-US" sz="2000" b="1" i="1" smtClean="0">
+                              <a:latin typeface="Cambria Math" panose="02040503050406030204" pitchFamily="18" charset="0"/>
+                            </a:rPr>
+                            <m:t>𝟏</m:t>
+                          </m:r>
+                        </m:sub>
+                      </m:sSub>
+                      <m:d>
+                        <m:dPr>
+                          <m:ctrlPr>
+                            <a:rPr lang="en-US" sz="2000" b="1" i="1" smtClean="0">
+                              <a:latin typeface="Cambria Math" panose="02040503050406030204" pitchFamily="18" charset="0"/>
+                            </a:rPr>
+                          </m:ctrlPr>
+                        </m:dPr>
+                        <m:e>
+                          <m:r>
+                            <a:rPr lang="en-US" sz="2000" b="1" i="1" smtClean="0">
+                              <a:latin typeface="Cambria Math" panose="02040503050406030204" pitchFamily="18" charset="0"/>
+                            </a:rPr>
+                            <m:t>𝒕</m:t>
+                          </m:r>
+                        </m:e>
+                      </m:d>
+                      <m:sSub>
+                        <m:sSubPr>
+                          <m:ctrlPr>
+                            <a:rPr lang="en-US" sz="2000" b="1" i="1" smtClean="0">
+                              <a:latin typeface="Cambria Math" panose="02040503050406030204" pitchFamily="18" charset="0"/>
+                            </a:rPr>
+                          </m:ctrlPr>
+                        </m:sSubPr>
+                        <m:e>
+                          <m:r>
+                            <a:rPr lang="en-US" sz="2000" b="1" i="1" smtClean="0">
+                              <a:latin typeface="Cambria Math" panose="02040503050406030204" pitchFamily="18" charset="0"/>
+                            </a:rPr>
+                            <m:t>𝑿</m:t>
+                          </m:r>
+                        </m:e>
+                        <m:sub>
+                          <m:r>
+                            <a:rPr lang="en-US" sz="2000" b="1" i="1" smtClean="0">
+                              <a:latin typeface="Cambria Math" panose="02040503050406030204" pitchFamily="18" charset="0"/>
+                            </a:rPr>
+                            <m:t>𝜸</m:t>
+                          </m:r>
+                          <m:r>
+                            <a:rPr lang="en-US" sz="2000" b="1" i="1" smtClean="0">
+                              <a:latin typeface="Cambria Math" panose="02040503050406030204" pitchFamily="18" charset="0"/>
+                            </a:rPr>
+                            <m:t>𝒊</m:t>
+                          </m:r>
+                        </m:sub>
+                      </m:sSub>
+                    </m:oMath>
+                    <m:oMath xmlns:m="http://schemas.openxmlformats.org/officeDocument/2006/math">
+                      <m:r>
+                        <a:rPr lang="en-US" sz="2000" b="0" i="1" smtClean="0">
+                          <a:latin typeface="Cambria Math" panose="02040503050406030204" pitchFamily="18" charset="0"/>
+                        </a:rPr>
+                        <m:t>+</m:t>
+                      </m:r>
+                      <m:sSub>
+                        <m:sSubPr>
+                          <m:ctrlPr>
+                            <a:rPr lang="en-US" sz="2000" b="0" i="1" smtClean="0">
+                              <a:latin typeface="Cambria Math" panose="02040503050406030204" pitchFamily="18" charset="0"/>
+                            </a:rPr>
+                          </m:ctrlPr>
+                        </m:sSubPr>
+                        <m:e>
+                          <m:r>
+                            <a:rPr lang="en-US" sz="2000" b="0" i="1" smtClean="0">
+                              <a:latin typeface="Cambria Math" panose="02040503050406030204" pitchFamily="18" charset="0"/>
+                            </a:rPr>
+                            <m:t>𝑏</m:t>
+                          </m:r>
+                        </m:e>
+                        <m:sub>
+                          <m:r>
+                            <a:rPr lang="en-US" sz="2000" b="0" i="1" smtClean="0">
+                              <a:latin typeface="Cambria Math" panose="02040503050406030204" pitchFamily="18" charset="0"/>
+                            </a:rPr>
+                            <m:t>𝛾</m:t>
+                          </m:r>
+                          <m:r>
+                            <a:rPr lang="en-US" sz="2000" b="0" i="1" smtClean="0">
+                              <a:latin typeface="Cambria Math" panose="02040503050406030204" pitchFamily="18" charset="0"/>
+                            </a:rPr>
+                            <m:t>𝑖</m:t>
+                          </m:r>
+                        </m:sub>
+                      </m:sSub>
+                      <m:r>
+                        <a:rPr lang="en-US" sz="2000" b="0" i="1" smtClean="0">
+                          <a:latin typeface="Cambria Math" panose="02040503050406030204" pitchFamily="18" charset="0"/>
+                        </a:rPr>
+                        <m:t>+</m:t>
+                      </m:r>
+                      <m:sSub>
+                        <m:sSubPr>
+                          <m:ctrlPr>
+                            <a:rPr lang="en-US" sz="2000" b="1" i="1" smtClean="0">
+                              <a:latin typeface="Cambria Math" panose="02040503050406030204" pitchFamily="18" charset="0"/>
+                            </a:rPr>
+                          </m:ctrlPr>
+                        </m:sSubPr>
+                        <m:e>
+                          <m:r>
+                            <a:rPr lang="en-US" sz="2000" b="1" i="1" smtClean="0">
+                              <a:latin typeface="Cambria Math" panose="02040503050406030204" pitchFamily="18" charset="0"/>
+                            </a:rPr>
+                            <m:t>𝒄</m:t>
+                          </m:r>
+                        </m:e>
+                        <m:sub>
+                          <m:r>
+                            <a:rPr lang="en-US" sz="2000" b="1" i="1" smtClean="0">
+                              <a:latin typeface="Cambria Math" panose="02040503050406030204" pitchFamily="18" charset="0"/>
+                            </a:rPr>
+                            <m:t>𝜸</m:t>
+                          </m:r>
+                        </m:sub>
+                      </m:sSub>
+                      <m:r>
+                        <a:rPr lang="en-US" sz="2000" b="0" i="1" smtClean="0">
+                          <a:latin typeface="Cambria Math" panose="02040503050406030204" pitchFamily="18" charset="0"/>
+                        </a:rPr>
+                        <m:t>+</m:t>
+                      </m:r>
+                      <m:sSub>
+                        <m:sSubPr>
+                          <m:ctrlPr>
+                            <a:rPr lang="en-US" sz="2000" b="0" i="1" smtClean="0">
+                              <a:latin typeface="Cambria Math" panose="02040503050406030204" pitchFamily="18" charset="0"/>
+                            </a:rPr>
+                          </m:ctrlPr>
+                        </m:sSubPr>
+                        <m:e>
+                          <m:r>
+                            <a:rPr lang="en-US" sz="2000" b="0" i="1" smtClean="0">
+                              <a:latin typeface="Cambria Math" panose="02040503050406030204" pitchFamily="18" charset="0"/>
+                            </a:rPr>
+                            <m:t>𝜖</m:t>
+                          </m:r>
+                        </m:e>
+                        <m:sub>
+                          <m:r>
+                            <a:rPr lang="en-US" sz="2000" b="0" i="1" smtClean="0">
+                              <a:latin typeface="Cambria Math" panose="02040503050406030204" pitchFamily="18" charset="0"/>
+                            </a:rPr>
+                            <m:t>𝛾</m:t>
+                          </m:r>
+                          <m:r>
+                            <a:rPr lang="en-US" sz="2000" b="0" i="1" smtClean="0">
+                              <a:latin typeface="Cambria Math" panose="02040503050406030204" pitchFamily="18" charset="0"/>
+                            </a:rPr>
+                            <m:t>𝑖𝑡</m:t>
+                          </m:r>
+                        </m:sub>
+                      </m:sSub>
+                    </m:oMath>
+                  </m:oMathPara>
+                </a14:m>
+                <a:endParaRPr lang="en-US" sz="2000" dirty="0"/>
+              </a:p>
+              <a:p>
+                <a:endParaRPr lang="en-US" sz="1800" dirty="0"/>
+              </a:p>
+              <a:p>
+                <a:pPr/>
+                <a14:m>
+                  <m:oMathPara xmlns:m="http://schemas.openxmlformats.org/officeDocument/2006/math">
+                    <m:oMathParaPr>
+                      <m:jc m:val="centerGroup"/>
+                    </m:oMathParaPr>
+                    <m:oMath xmlns:m="http://schemas.openxmlformats.org/officeDocument/2006/math">
+                      <m:r>
+                        <a:rPr lang="en-US" sz="1800" b="0" i="1" smtClean="0">
+                          <a:latin typeface="Cambria Math" panose="02040503050406030204" pitchFamily="18" charset="0"/>
+                        </a:rPr>
+                        <m:t>𝐸</m:t>
+                      </m:r>
+                      <m:d>
+                        <m:dPr>
+                          <m:begChr m:val="["/>
+                          <m:endChr m:val="]"/>
+                          <m:sepChr m:val="∣"/>
+                          <m:ctrlPr>
+                            <a:rPr lang="en-US" sz="1800" b="0" i="1" smtClean="0">
+                              <a:latin typeface="Cambria Math" panose="02040503050406030204" pitchFamily="18" charset="0"/>
+                            </a:rPr>
+                          </m:ctrlPr>
+                        </m:dPr>
+                        <m:e>
+                          <m:sSub>
+                            <m:sSubPr>
+                              <m:ctrlPr>
+                                <a:rPr lang="en-US" sz="1800" b="0" i="1" smtClean="0">
+                                  <a:latin typeface="Cambria Math" panose="02040503050406030204" pitchFamily="18" charset="0"/>
+                                </a:rPr>
+                              </m:ctrlPr>
+                            </m:sSubPr>
+                            <m:e>
+                              <m:r>
+                                <a:rPr lang="en-US" sz="1800" b="0" i="1" smtClean="0">
+                                  <a:latin typeface="Cambria Math" panose="02040503050406030204" pitchFamily="18" charset="0"/>
+                                </a:rPr>
+                                <m:t>𝑋</m:t>
+                              </m:r>
+                            </m:e>
+                            <m:sub>
+                              <m:r>
+                                <a:rPr lang="en-US" sz="1800" b="0" i="1" smtClean="0">
+                                  <a:latin typeface="Cambria Math" panose="02040503050406030204" pitchFamily="18" charset="0"/>
+                                </a:rPr>
+                                <m:t>𝛾</m:t>
+                              </m:r>
+                              <m:r>
+                                <a:rPr lang="en-US" sz="1800" b="0" i="1" smtClean="0">
+                                  <a:latin typeface="Cambria Math" panose="02040503050406030204" pitchFamily="18" charset="0"/>
+                                </a:rPr>
+                                <m:t>𝑖</m:t>
+                              </m:r>
+                            </m:sub>
+                          </m:sSub>
+                        </m:e>
+                        <m:e>
+                          <m:sSub>
+                            <m:sSubPr>
+                              <m:ctrlPr>
+                                <a:rPr lang="en-US" sz="1800" b="0" i="1" smtClean="0">
+                                  <a:latin typeface="Cambria Math" panose="02040503050406030204" pitchFamily="18" charset="0"/>
+                                </a:rPr>
+                              </m:ctrlPr>
+                            </m:sSubPr>
+                            <m:e>
+                              <m:r>
+                                <a:rPr lang="en-US" sz="1800" b="0" i="1" smtClean="0">
+                                  <a:latin typeface="Cambria Math" panose="02040503050406030204" pitchFamily="18" charset="0"/>
+                                </a:rPr>
+                                <m:t>𝐴</m:t>
+                              </m:r>
+                            </m:e>
+                            <m:sub>
+                              <m:r>
+                                <a:rPr lang="en-US" sz="1800" b="0" i="1" smtClean="0">
+                                  <a:latin typeface="Cambria Math" panose="02040503050406030204" pitchFamily="18" charset="0"/>
+                                </a:rPr>
+                                <m:t>𝛾</m:t>
+                              </m:r>
+                              <m:r>
+                                <a:rPr lang="en-US" sz="1800" b="0" i="1" smtClean="0">
+                                  <a:latin typeface="Cambria Math" panose="02040503050406030204" pitchFamily="18" charset="0"/>
+                                </a:rPr>
+                                <m:t>𝑇</m:t>
+                              </m:r>
+                            </m:sub>
+                          </m:sSub>
+                          <m:r>
+                            <a:rPr lang="en-US" sz="1800" b="0" i="1" smtClean="0">
+                              <a:latin typeface="Cambria Math" panose="02040503050406030204" pitchFamily="18" charset="0"/>
+                            </a:rPr>
+                            <m:t>=1</m:t>
+                          </m:r>
+                        </m:e>
+                      </m:d>
+                      <m:r>
+                        <a:rPr lang="en-US" sz="1800" b="0" i="1" smtClean="0">
+                          <a:latin typeface="Cambria Math" panose="02040503050406030204" pitchFamily="18" charset="0"/>
+                        </a:rPr>
+                        <m:t>=5</m:t>
+                      </m:r>
+                    </m:oMath>
+                    <m:oMath xmlns:m="http://schemas.openxmlformats.org/officeDocument/2006/math">
+                      <m:r>
+                        <m:rPr>
+                          <m:sty m:val="p"/>
+                        </m:rPr>
+                        <a:rPr lang="en-US" sz="1800" b="0" i="0" smtClean="0">
+                          <a:latin typeface="Cambria Math" panose="02040503050406030204" pitchFamily="18" charset="0"/>
+                        </a:rPr>
+                        <m:t>E</m:t>
+                      </m:r>
+                      <m:d>
+                        <m:dPr>
+                          <m:begChr m:val="["/>
+                          <m:endChr m:val="]"/>
+                          <m:sepChr m:val="∣"/>
+                          <m:ctrlPr>
+                            <a:rPr lang="en-US" sz="1800" i="1">
+                              <a:latin typeface="Cambria Math" panose="02040503050406030204" pitchFamily="18" charset="0"/>
+                            </a:rPr>
+                          </m:ctrlPr>
+                        </m:dPr>
+                        <m:e>
+                          <m:sSub>
+                            <m:sSubPr>
+                              <m:ctrlPr>
+                                <a:rPr lang="en-US" sz="1800" i="1">
+                                  <a:latin typeface="Cambria Math" panose="02040503050406030204" pitchFamily="18" charset="0"/>
+                                </a:rPr>
+                              </m:ctrlPr>
+                            </m:sSubPr>
+                            <m:e>
+                              <m:r>
+                                <a:rPr lang="en-US" sz="1800" i="1">
+                                  <a:latin typeface="Cambria Math" panose="02040503050406030204" pitchFamily="18" charset="0"/>
+                                </a:rPr>
+                                <m:t>𝑋</m:t>
+                              </m:r>
+                            </m:e>
+                            <m:sub>
+                              <m:r>
+                                <a:rPr lang="en-US" sz="1800" i="1">
+                                  <a:latin typeface="Cambria Math" panose="02040503050406030204" pitchFamily="18" charset="0"/>
+                                </a:rPr>
+                                <m:t>𝛾</m:t>
+                              </m:r>
+                              <m:r>
+                                <a:rPr lang="en-US" sz="1800" i="1">
+                                  <a:latin typeface="Cambria Math" panose="02040503050406030204" pitchFamily="18" charset="0"/>
+                                </a:rPr>
+                                <m:t>𝑖</m:t>
+                              </m:r>
+                            </m:sub>
+                          </m:sSub>
+                        </m:e>
+                        <m:e>
+                          <m:sSub>
+                            <m:sSubPr>
+                              <m:ctrlPr>
+                                <a:rPr lang="en-US" sz="1800" i="1">
+                                  <a:latin typeface="Cambria Math" panose="02040503050406030204" pitchFamily="18" charset="0"/>
+                                </a:rPr>
+                              </m:ctrlPr>
+                            </m:sSubPr>
+                            <m:e>
+                              <m:r>
+                                <a:rPr lang="en-US" sz="1800" i="1">
+                                  <a:latin typeface="Cambria Math" panose="02040503050406030204" pitchFamily="18" charset="0"/>
+                                </a:rPr>
+                                <m:t>𝐴</m:t>
+                              </m:r>
+                            </m:e>
+                            <m:sub>
+                              <m:r>
+                                <a:rPr lang="en-US" sz="1800" i="1">
+                                  <a:latin typeface="Cambria Math" panose="02040503050406030204" pitchFamily="18" charset="0"/>
+                                </a:rPr>
+                                <m:t>𝛾</m:t>
+                              </m:r>
+                              <m:r>
+                                <a:rPr lang="en-US" sz="1800" i="1">
+                                  <a:latin typeface="Cambria Math" panose="02040503050406030204" pitchFamily="18" charset="0"/>
+                                </a:rPr>
+                                <m:t>𝑇</m:t>
+                              </m:r>
+                            </m:sub>
+                          </m:sSub>
+                          <m:r>
+                            <a:rPr lang="en-US" sz="1800" i="1">
+                              <a:latin typeface="Cambria Math" panose="02040503050406030204" pitchFamily="18" charset="0"/>
+                            </a:rPr>
+                            <m:t>=1</m:t>
+                          </m:r>
+                        </m:e>
+                      </m:d>
+                      <m:r>
+                        <a:rPr lang="en-US" sz="1800" i="1">
+                          <a:latin typeface="Cambria Math" panose="02040503050406030204" pitchFamily="18" charset="0"/>
+                        </a:rPr>
+                        <m:t>=</m:t>
+                      </m:r>
+                      <m:r>
+                        <a:rPr lang="en-US" sz="1800" b="0" i="1" smtClean="0">
+                          <a:latin typeface="Cambria Math" panose="02040503050406030204" pitchFamily="18" charset="0"/>
+                        </a:rPr>
+                        <m:t>2</m:t>
+                      </m:r>
+                    </m:oMath>
+                  </m:oMathPara>
+                </a14:m>
+                <a:br>
+                  <a:rPr lang="en-US" sz="1800" dirty="0"/>
+                </a:br>
+                <a:endParaRPr lang="en-US" sz="1800" dirty="0"/>
+              </a:p>
+              <a:p>
+                <a:endParaRPr lang="en-US" sz="1800" dirty="0"/>
+              </a:p>
+              <a:p>
+                <a:r>
+                  <a:rPr lang="en-US" sz="1800" dirty="0"/>
+                  <a:t>Results shown for correctly adjusted models.</a:t>
+                </a:r>
+              </a:p>
+            </p:txBody>
+          </p:sp>
+        </mc:Choice>
+        <mc:Fallback>
+          <p:sp>
+            <p:nvSpPr>
+              <p:cNvPr id="3" name="Content Placeholder 2">
+                <a:extLst>
+                  <a:ext uri="{FF2B5EF4-FFF2-40B4-BE49-F238E27FC236}">
+                    <a16:creationId xmlns:a16="http://schemas.microsoft.com/office/drawing/2014/main" id="{AD33C6C6-E5D7-31C4-6EA7-F0BBA2F94F9A}"/>
+                  </a:ext>
+                </a:extLst>
+              </p:cNvPr>
+              <p:cNvSpPr>
+                <a:spLocks noGrp="1" noRot="1" noChangeAspect="1" noMove="1" noResize="1" noEditPoints="1" noAdjustHandles="1" noChangeArrowheads="1" noChangeShapeType="1" noTextEdit="1"/>
+              </p:cNvSpPr>
+              <p:nvPr>
+                <p:ph idx="1"/>
+              </p:nvPr>
+            </p:nvSpPr>
+            <p:spPr>
+              <a:xfrm>
+                <a:off x="719138" y="1627200"/>
+                <a:ext cx="2905377" cy="3884769"/>
+              </a:xfrm>
+              <a:blipFill>
+                <a:blip r:embed="rId2"/>
+                <a:stretch>
+                  <a:fillRect l="-4783" r="-6522"/>
+                </a:stretch>
+              </a:blipFill>
+            </p:spPr>
+            <p:txBody>
+              <a:bodyPr/>
+              <a:lstStyle/>
+              <a:p>
+                <a:r>
+                  <a:rPr lang="en-US">
+                    <a:noFill/>
+                  </a:rPr>
+                  <a:t> </a:t>
+                </a:r>
+              </a:p>
+            </p:txBody>
+          </p:sp>
+        </mc:Fallback>
+      </mc:AlternateContent>
+      <p:sp>
+        <p:nvSpPr>
+          <p:cNvPr id="4" name="Slide Number Placeholder 3">
+            <a:extLst>
+              <a:ext uri="{FF2B5EF4-FFF2-40B4-BE49-F238E27FC236}">
+                <a16:creationId xmlns:a16="http://schemas.microsoft.com/office/drawing/2014/main" id="{6A907D82-33E2-FED0-80BD-20FA601B2653}"/>
+              </a:ext>
+            </a:extLst>
+          </p:cNvPr>
+          <p:cNvSpPr>
+            <a:spLocks noGrp="1"/>
+          </p:cNvSpPr>
+          <p:nvPr>
+            <p:ph type="sldNum" sz="quarter" idx="11"/>
+          </p:nvPr>
+        </p:nvSpPr>
+        <p:spPr/>
+        <p:txBody>
+          <a:bodyPr/>
+          <a:lstStyle/>
+          <a:p>
+            <a:fld id="{2DDEA8E7-5F55-4A60-8EF9-470692FC5635}" type="slidenum">
+              <a:rPr lang="en-US" noProof="0" smtClean="0"/>
+              <a:pPr/>
+              <a:t>19</a:t>
+            </a:fld>
+            <a:endParaRPr lang="en-US" noProof="0"/>
+          </a:p>
+        </p:txBody>
+      </p:sp>
+      <p:graphicFrame>
+        <p:nvGraphicFramePr>
+          <p:cNvPr id="6" name="Table 5">
+            <a:extLst>
+              <a:ext uri="{FF2B5EF4-FFF2-40B4-BE49-F238E27FC236}">
+                <a16:creationId xmlns:a16="http://schemas.microsoft.com/office/drawing/2014/main" id="{76E9E520-D463-2183-E511-65FA07BD0DB8}"/>
+              </a:ext>
+            </a:extLst>
+          </p:cNvPr>
+          <p:cNvGraphicFramePr>
+            <a:graphicFrameLocks noGrp="1"/>
+          </p:cNvGraphicFramePr>
+          <p:nvPr/>
+        </p:nvGraphicFramePr>
+        <p:xfrm>
+          <a:off x="4028751" y="1627200"/>
+          <a:ext cx="7848347" cy="4079240"/>
+        </p:xfrm>
+        <a:graphic>
+          <a:graphicData uri="http://schemas.openxmlformats.org/drawingml/2006/table">
+            <a:tbl>
+              <a:tblPr firstRow="1" bandRow="1">
+                <a:tableStyleId>{5FD0F851-EC5A-4D38-B0AD-8093EC10F338}</a:tableStyleId>
+              </a:tblPr>
+              <a:tblGrid>
+                <a:gridCol w="4035743">
+                  <a:extLst>
+                    <a:ext uri="{9D8B030D-6E8A-4147-A177-3AD203B41FA5}">
+                      <a16:colId xmlns:a16="http://schemas.microsoft.com/office/drawing/2014/main" val="2410628446"/>
+                    </a:ext>
+                  </a:extLst>
+                </a:gridCol>
+                <a:gridCol w="995680">
+                  <a:extLst>
+                    <a:ext uri="{9D8B030D-6E8A-4147-A177-3AD203B41FA5}">
+                      <a16:colId xmlns:a16="http://schemas.microsoft.com/office/drawing/2014/main" val="4096826624"/>
+                    </a:ext>
+                  </a:extLst>
+                </a:gridCol>
+                <a:gridCol w="1122744">
+                  <a:extLst>
+                    <a:ext uri="{9D8B030D-6E8A-4147-A177-3AD203B41FA5}">
+                      <a16:colId xmlns:a16="http://schemas.microsoft.com/office/drawing/2014/main" val="4134113197"/>
+                    </a:ext>
+                  </a:extLst>
+                </a:gridCol>
+                <a:gridCol w="1694180">
+                  <a:extLst>
+                    <a:ext uri="{9D8B030D-6E8A-4147-A177-3AD203B41FA5}">
+                      <a16:colId xmlns:a16="http://schemas.microsoft.com/office/drawing/2014/main" val="1998121187"/>
+                    </a:ext>
+                  </a:extLst>
+                </a:gridCol>
+              </a:tblGrid>
+              <a:tr h="370840">
+                <a:tc>
+                  <a:txBody>
+                    <a:bodyPr/>
+                    <a:lstStyle/>
+                    <a:p>
+                      <a:endParaRPr lang="en-US" dirty="0">
+                        <a:solidFill>
+                          <a:schemeClr val="tx2"/>
+                        </a:solidFill>
+                        <a:latin typeface="DM Sans 14pt" pitchFamily="2" charset="77"/>
+                      </a:endParaRPr>
+                    </a:p>
+                  </a:txBody>
+                  <a:tcPr/>
+                </a:tc>
+                <a:tc>
+                  <a:txBody>
+                    <a:bodyPr/>
+                    <a:lstStyle/>
+                    <a:p>
+                      <a:r>
+                        <a:rPr lang="en-US" dirty="0">
+                          <a:solidFill>
+                            <a:schemeClr val="tx2"/>
+                          </a:solidFill>
+                          <a:latin typeface="DM Sans 14pt" pitchFamily="2" charset="77"/>
+                        </a:rPr>
+                        <a:t>% Bias</a:t>
+                      </a:r>
+                    </a:p>
+                  </a:txBody>
+                  <a:tcPr/>
+                </a:tc>
+                <a:tc>
+                  <a:txBody>
+                    <a:bodyPr/>
+                    <a:lstStyle/>
+                    <a:p>
+                      <a:r>
+                        <a:rPr lang="en-US" dirty="0">
+                          <a:solidFill>
+                            <a:schemeClr val="tx2"/>
+                          </a:solidFill>
+                          <a:latin typeface="DM Sans 14pt" pitchFamily="2" charset="77"/>
+                        </a:rPr>
+                        <a:t>Std. Err.</a:t>
+                      </a:r>
+                    </a:p>
+                  </a:txBody>
+                  <a:tcPr/>
+                </a:tc>
+                <a:tc>
+                  <a:txBody>
+                    <a:bodyPr/>
+                    <a:lstStyle/>
+                    <a:p>
+                      <a:r>
+                        <a:rPr lang="en-US" dirty="0">
+                          <a:solidFill>
+                            <a:schemeClr val="tx2"/>
+                          </a:solidFill>
+                          <a:latin typeface="DM Sans 14pt" pitchFamily="2" charset="77"/>
+                        </a:rPr>
+                        <a:t>95% CI </a:t>
+                      </a:r>
+                      <a:r>
+                        <a:rPr lang="en-US" dirty="0" err="1">
+                          <a:solidFill>
+                            <a:schemeClr val="tx2"/>
+                          </a:solidFill>
+                          <a:latin typeface="DM Sans 14pt" pitchFamily="2" charset="77"/>
+                        </a:rPr>
+                        <a:t>Covg</a:t>
+                      </a:r>
+                      <a:r>
+                        <a:rPr lang="en-US" dirty="0">
+                          <a:solidFill>
+                            <a:schemeClr val="tx2"/>
+                          </a:solidFill>
+                          <a:latin typeface="DM Sans 14pt" pitchFamily="2" charset="77"/>
+                        </a:rPr>
+                        <a:t>.</a:t>
+                      </a:r>
+                    </a:p>
+                  </a:txBody>
+                  <a:tcPr/>
+                </a:tc>
+                <a:extLst>
+                  <a:ext uri="{0D108BD9-81ED-4DB2-BD59-A6C34878D82A}">
+                    <a16:rowId xmlns:a16="http://schemas.microsoft.com/office/drawing/2014/main" val="1602566800"/>
+                  </a:ext>
+                </a:extLst>
+              </a:tr>
+              <a:tr h="370840">
+                <a:tc gridSpan="4">
+                  <a:txBody>
+                    <a:bodyPr/>
+                    <a:lstStyle/>
+                    <a:p>
+                      <a:r>
+                        <a:rPr lang="en-US" b="1" dirty="0">
+                          <a:solidFill>
+                            <a:schemeClr val="tx2"/>
+                          </a:solidFill>
+                          <a:latin typeface="DM Sans 14pt" pitchFamily="2" charset="77"/>
+                        </a:rPr>
+                        <a:t>Aggregated Data (ecological models)</a:t>
+                      </a:r>
+                    </a:p>
+                  </a:txBody>
+                  <a:tcPr/>
+                </a:tc>
+                <a:tc hMerge="1">
+                  <a:txBody>
+                    <a:bodyPr/>
+                    <a:lstStyle/>
+                    <a:p>
+                      <a:endParaRPr lang="en-US" dirty="0"/>
+                    </a:p>
+                  </a:txBody>
+                  <a:tcPr/>
+                </a:tc>
+                <a:tc hMerge="1">
+                  <a:txBody>
+                    <a:bodyPr/>
+                    <a:lstStyle/>
+                    <a:p>
+                      <a:endParaRPr lang="en-US" dirty="0"/>
+                    </a:p>
+                  </a:txBody>
+                  <a:tcPr/>
+                </a:tc>
+                <a:tc hMerge="1">
+                  <a:txBody>
+                    <a:bodyPr/>
+                    <a:lstStyle/>
+                    <a:p>
+                      <a:endParaRPr lang="en-US" dirty="0"/>
+                    </a:p>
+                  </a:txBody>
+                  <a:tcPr/>
+                </a:tc>
+                <a:extLst>
+                  <a:ext uri="{0D108BD9-81ED-4DB2-BD59-A6C34878D82A}">
+                    <a16:rowId xmlns:a16="http://schemas.microsoft.com/office/drawing/2014/main" val="2856098369"/>
+                  </a:ext>
+                </a:extLst>
+              </a:tr>
+              <a:tr h="370840">
+                <a:tc>
+                  <a:txBody>
+                    <a:bodyPr/>
+                    <a:lstStyle/>
+                    <a:p>
+                      <a:r>
+                        <a:rPr lang="en-US" dirty="0">
+                          <a:solidFill>
+                            <a:schemeClr val="tx2"/>
+                          </a:solidFill>
+                          <a:latin typeface="DM Sans 14pt" pitchFamily="2" charset="77"/>
+                        </a:rPr>
+                        <a:t>OLS SE</a:t>
+                      </a:r>
+                    </a:p>
+                  </a:txBody>
+                  <a:tcPr/>
+                </a:tc>
+                <a:tc>
+                  <a:txBody>
+                    <a:bodyPr/>
+                    <a:lstStyle/>
+                    <a:p>
+                      <a:r>
+                        <a:rPr lang="en-US" dirty="0">
+                          <a:solidFill>
+                            <a:schemeClr val="tx2"/>
+                          </a:solidFill>
+                          <a:latin typeface="DM Sans 14pt" pitchFamily="2" charset="77"/>
+                        </a:rPr>
+                        <a:t>0.3</a:t>
+                      </a:r>
+                    </a:p>
+                  </a:txBody>
+                  <a:tcPr/>
+                </a:tc>
+                <a:tc>
+                  <a:txBody>
+                    <a:bodyPr/>
+                    <a:lstStyle/>
+                    <a:p>
+                      <a:r>
+                        <a:rPr lang="en-US" dirty="0">
+                          <a:solidFill>
+                            <a:schemeClr val="tx2"/>
+                          </a:solidFill>
+                          <a:latin typeface="DM Sans 14pt" pitchFamily="2" charset="77"/>
+                        </a:rPr>
+                        <a:t>0.793</a:t>
+                      </a:r>
+                    </a:p>
+                  </a:txBody>
+                  <a:tcPr/>
+                </a:tc>
+                <a:tc>
+                  <a:txBody>
+                    <a:bodyPr/>
+                    <a:lstStyle/>
+                    <a:p>
+                      <a:r>
+                        <a:rPr lang="en-US" dirty="0">
+                          <a:solidFill>
+                            <a:srgbClr val="006076"/>
+                          </a:solidFill>
+                          <a:latin typeface="DM Sans 14pt" pitchFamily="2" charset="77"/>
+                        </a:rPr>
+                        <a:t>0.968</a:t>
+                      </a:r>
+                    </a:p>
+                  </a:txBody>
+                  <a:tcPr/>
+                </a:tc>
+                <a:extLst>
+                  <a:ext uri="{0D108BD9-81ED-4DB2-BD59-A6C34878D82A}">
+                    <a16:rowId xmlns:a16="http://schemas.microsoft.com/office/drawing/2014/main" val="1786155692"/>
+                  </a:ext>
+                </a:extLst>
+              </a:tr>
+              <a:tr h="370840">
+                <a:tc>
+                  <a:txBody>
+                    <a:bodyPr/>
+                    <a:lstStyle/>
+                    <a:p>
+                      <a:r>
+                        <a:rPr lang="en-US" dirty="0">
+                          <a:solidFill>
+                            <a:schemeClr val="tx2"/>
+                          </a:solidFill>
+                          <a:latin typeface="DM Sans 14pt" pitchFamily="2" charset="77"/>
+                        </a:rPr>
+                        <a:t>SE clustered by state</a:t>
+                      </a:r>
+                    </a:p>
+                  </a:txBody>
+                  <a:tcPr/>
+                </a:tc>
+                <a:tc>
+                  <a:txBody>
+                    <a:bodyPr/>
+                    <a:lstStyle/>
+                    <a:p>
+                      <a:r>
+                        <a:rPr lang="en-US" dirty="0">
+                          <a:solidFill>
+                            <a:schemeClr val="tx2"/>
+                          </a:solidFill>
+                          <a:latin typeface="DM Sans 14pt" pitchFamily="2" charset="77"/>
+                        </a:rPr>
+                        <a:t>0.3</a:t>
+                      </a:r>
+                    </a:p>
+                  </a:txBody>
+                  <a:tcPr/>
+                </a:tc>
+                <a:tc>
+                  <a:txBody>
+                    <a:bodyPr/>
+                    <a:lstStyle/>
+                    <a:p>
+                      <a:r>
+                        <a:rPr lang="en-US" dirty="0">
+                          <a:solidFill>
+                            <a:schemeClr val="tx2"/>
+                          </a:solidFill>
+                          <a:latin typeface="DM Sans 14pt" pitchFamily="2" charset="77"/>
+                        </a:rPr>
+                        <a:t>0.732</a:t>
+                      </a:r>
+                    </a:p>
+                  </a:txBody>
+                  <a:tcPr/>
+                </a:tc>
+                <a:tc>
+                  <a:txBody>
+                    <a:bodyPr/>
+                    <a:lstStyle/>
+                    <a:p>
+                      <a:r>
+                        <a:rPr lang="en-US" dirty="0">
+                          <a:solidFill>
+                            <a:srgbClr val="006076"/>
+                          </a:solidFill>
+                          <a:latin typeface="DM Sans 14pt" pitchFamily="2" charset="77"/>
+                        </a:rPr>
+                        <a:t>0.910</a:t>
+                      </a:r>
+                    </a:p>
+                  </a:txBody>
+                  <a:tcPr/>
+                </a:tc>
+                <a:extLst>
+                  <a:ext uri="{0D108BD9-81ED-4DB2-BD59-A6C34878D82A}">
+                    <a16:rowId xmlns:a16="http://schemas.microsoft.com/office/drawing/2014/main" val="3522855683"/>
+                  </a:ext>
+                </a:extLst>
+              </a:tr>
+              <a:tr h="370840">
+                <a:tc gridSpan="4">
+                  <a:txBody>
+                    <a:bodyPr/>
+                    <a:lstStyle/>
+                    <a:p>
+                      <a:r>
+                        <a:rPr lang="en-US" b="1" dirty="0">
+                          <a:solidFill>
+                            <a:schemeClr val="tx2"/>
+                          </a:solidFill>
+                          <a:latin typeface="DM Sans 14pt" pitchFamily="2" charset="77"/>
+                        </a:rPr>
+                        <a:t>Individual-Level Data</a:t>
+                      </a:r>
+                    </a:p>
+                  </a:txBody>
+                  <a:tcPr/>
+                </a:tc>
+                <a:tc hMerge="1">
+                  <a:txBody>
+                    <a:bodyPr/>
+                    <a:lstStyle/>
+                    <a:p>
+                      <a:endParaRPr lang="en-US" dirty="0"/>
+                    </a:p>
+                  </a:txBody>
+                  <a:tcPr/>
+                </a:tc>
+                <a:tc hMerge="1">
+                  <a:txBody>
+                    <a:bodyPr/>
+                    <a:lstStyle/>
+                    <a:p>
+                      <a:endParaRPr lang="en-US" dirty="0"/>
+                    </a:p>
+                  </a:txBody>
+                  <a:tcPr/>
+                </a:tc>
+                <a:tc hMerge="1">
+                  <a:txBody>
+                    <a:bodyPr/>
+                    <a:lstStyle/>
+                    <a:p>
+                      <a:endParaRPr lang="en-US" dirty="0"/>
+                    </a:p>
+                  </a:txBody>
+                  <a:tcPr/>
+                </a:tc>
+                <a:extLst>
+                  <a:ext uri="{0D108BD9-81ED-4DB2-BD59-A6C34878D82A}">
+                    <a16:rowId xmlns:a16="http://schemas.microsoft.com/office/drawing/2014/main" val="749264764"/>
+                  </a:ext>
+                </a:extLst>
+              </a:tr>
+              <a:tr h="370840">
+                <a:tc>
+                  <a:txBody>
+                    <a:bodyPr/>
+                    <a:lstStyle/>
+                    <a:p>
+                      <a:r>
+                        <a:rPr lang="en-US" dirty="0">
+                          <a:solidFill>
+                            <a:schemeClr val="tx2"/>
+                          </a:solidFill>
+                          <a:latin typeface="DM Sans 14pt" pitchFamily="2" charset="77"/>
+                        </a:rPr>
+                        <a:t>OLS SE</a:t>
+                      </a:r>
+                    </a:p>
+                  </a:txBody>
+                  <a:tcPr/>
+                </a:tc>
+                <a:tc>
+                  <a:txBody>
+                    <a:bodyPr/>
+                    <a:lstStyle/>
+                    <a:p>
+                      <a:r>
+                        <a:rPr lang="en-US" dirty="0">
+                          <a:solidFill>
+                            <a:schemeClr val="tx2"/>
+                          </a:solidFill>
+                          <a:latin typeface="DM Sans 14pt" pitchFamily="2" charset="77"/>
+                        </a:rPr>
+                        <a:t>0.0</a:t>
+                      </a:r>
+                    </a:p>
+                  </a:txBody>
+                  <a:tcPr/>
+                </a:tc>
+                <a:tc>
+                  <a:txBody>
+                    <a:bodyPr/>
+                    <a:lstStyle/>
+                    <a:p>
+                      <a:r>
+                        <a:rPr lang="en-US" dirty="0">
+                          <a:solidFill>
+                            <a:schemeClr val="tx2"/>
+                          </a:solidFill>
+                          <a:latin typeface="DM Sans 14pt" pitchFamily="2" charset="77"/>
+                        </a:rPr>
+                        <a:t>0.058</a:t>
+                      </a:r>
+                    </a:p>
+                  </a:txBody>
+                  <a:tcPr/>
+                </a:tc>
+                <a:tc>
+                  <a:txBody>
+                    <a:bodyPr/>
+                    <a:lstStyle/>
+                    <a:p>
+                      <a:r>
+                        <a:rPr lang="en-US" dirty="0">
+                          <a:solidFill>
+                            <a:srgbClr val="006076"/>
+                          </a:solidFill>
+                          <a:latin typeface="DM Sans 14pt" pitchFamily="2" charset="77"/>
+                        </a:rPr>
+                        <a:t>0.972</a:t>
+                      </a:r>
+                    </a:p>
+                  </a:txBody>
+                  <a:tcPr/>
+                </a:tc>
+                <a:extLst>
+                  <a:ext uri="{0D108BD9-81ED-4DB2-BD59-A6C34878D82A}">
+                    <a16:rowId xmlns:a16="http://schemas.microsoft.com/office/drawing/2014/main" val="458576792"/>
+                  </a:ext>
+                </a:extLst>
+              </a:tr>
+              <a:tr h="370840">
+                <a:tc>
+                  <a:txBody>
+                    <a:bodyPr/>
+                    <a:lstStyle/>
+                    <a:p>
+                      <a:r>
+                        <a:rPr lang="en-US" dirty="0">
+                          <a:solidFill>
+                            <a:schemeClr val="tx2"/>
+                          </a:solidFill>
+                          <a:latin typeface="DM Sans 14pt" pitchFamily="2" charset="77"/>
+                        </a:rPr>
+                        <a:t>SE clustered by individual</a:t>
+                      </a:r>
+                    </a:p>
+                  </a:txBody>
+                  <a:tcPr/>
+                </a:tc>
+                <a:tc>
+                  <a:txBody>
+                    <a:bodyPr/>
+                    <a:lstStyle/>
+                    <a:p>
+                      <a:r>
+                        <a:rPr lang="en-US" dirty="0">
+                          <a:solidFill>
+                            <a:schemeClr val="tx2"/>
+                          </a:solidFill>
+                          <a:latin typeface="DM Sans 14pt" pitchFamily="2" charset="77"/>
+                        </a:rPr>
+                        <a:t>0.0</a:t>
+                      </a:r>
+                    </a:p>
+                  </a:txBody>
+                  <a:tcPr/>
+                </a:tc>
+                <a:tc>
+                  <a:txBody>
+                    <a:bodyPr/>
+                    <a:lstStyle/>
+                    <a:p>
+                      <a:r>
+                        <a:rPr lang="en-US" dirty="0">
+                          <a:solidFill>
+                            <a:schemeClr val="tx2"/>
+                          </a:solidFill>
+                          <a:latin typeface="DM Sans 14pt" pitchFamily="2" charset="77"/>
+                        </a:rPr>
+                        <a:t>0.054</a:t>
+                      </a:r>
+                    </a:p>
+                  </a:txBody>
+                  <a:tcPr/>
+                </a:tc>
+                <a:tc>
+                  <a:txBody>
+                    <a:bodyPr/>
+                    <a:lstStyle/>
+                    <a:p>
+                      <a:r>
+                        <a:rPr lang="en-US" dirty="0">
+                          <a:solidFill>
+                            <a:srgbClr val="006076"/>
+                          </a:solidFill>
+                          <a:latin typeface="DM Sans 14pt" pitchFamily="2" charset="77"/>
+                        </a:rPr>
+                        <a:t>0.958</a:t>
+                      </a:r>
+                    </a:p>
+                  </a:txBody>
+                  <a:tcPr/>
+                </a:tc>
+                <a:extLst>
+                  <a:ext uri="{0D108BD9-81ED-4DB2-BD59-A6C34878D82A}">
+                    <a16:rowId xmlns:a16="http://schemas.microsoft.com/office/drawing/2014/main" val="3662894514"/>
+                  </a:ext>
+                </a:extLst>
+              </a:tr>
+              <a:tr h="370840">
+                <a:tc>
+                  <a:txBody>
+                    <a:bodyPr/>
+                    <a:lstStyle/>
+                    <a:p>
+                      <a:r>
+                        <a:rPr lang="en-US" dirty="0">
+                          <a:solidFill>
+                            <a:schemeClr val="tx2"/>
+                          </a:solidFill>
+                          <a:latin typeface="DM Sans 14pt" pitchFamily="2" charset="77"/>
+                        </a:rPr>
+                        <a:t>SE clustered by state</a:t>
+                      </a:r>
+                    </a:p>
+                  </a:txBody>
+                  <a:tcPr/>
+                </a:tc>
+                <a:tc>
+                  <a:txBody>
+                    <a:bodyPr/>
+                    <a:lstStyle/>
+                    <a:p>
+                      <a:r>
+                        <a:rPr lang="en-US" dirty="0">
+                          <a:solidFill>
+                            <a:schemeClr val="tx2"/>
+                          </a:solidFill>
+                          <a:latin typeface="DM Sans 14pt" pitchFamily="2" charset="77"/>
+                        </a:rPr>
+                        <a:t>0.0</a:t>
+                      </a:r>
+                    </a:p>
+                  </a:txBody>
+                  <a:tcPr/>
+                </a:tc>
+                <a:tc>
+                  <a:txBody>
+                    <a:bodyPr/>
+                    <a:lstStyle/>
+                    <a:p>
+                      <a:r>
+                        <a:rPr lang="en-US" dirty="0">
+                          <a:solidFill>
+                            <a:schemeClr val="tx2"/>
+                          </a:solidFill>
+                          <a:latin typeface="DM Sans 14pt" pitchFamily="2" charset="77"/>
+                        </a:rPr>
+                        <a:t>0.053</a:t>
+                      </a:r>
+                    </a:p>
+                  </a:txBody>
+                  <a:tcPr/>
+                </a:tc>
+                <a:tc>
+                  <a:txBody>
+                    <a:bodyPr/>
+                    <a:lstStyle/>
+                    <a:p>
+                      <a:r>
+                        <a:rPr lang="en-US" dirty="0">
+                          <a:solidFill>
+                            <a:srgbClr val="990000"/>
+                          </a:solidFill>
+                          <a:latin typeface="DM Sans 14pt" pitchFamily="2" charset="77"/>
+                        </a:rPr>
+                        <a:t>0.942</a:t>
+                      </a:r>
+                    </a:p>
+                  </a:txBody>
+                  <a:tcPr/>
+                </a:tc>
+                <a:extLst>
+                  <a:ext uri="{0D108BD9-81ED-4DB2-BD59-A6C34878D82A}">
+                    <a16:rowId xmlns:a16="http://schemas.microsoft.com/office/drawing/2014/main" val="3522819342"/>
+                  </a:ext>
+                </a:extLst>
+              </a:tr>
+              <a:tr h="370840">
+                <a:tc>
+                  <a:txBody>
+                    <a:bodyPr/>
+                    <a:lstStyle/>
+                    <a:p>
+                      <a:r>
+                        <a:rPr lang="en-US" dirty="0">
+                          <a:solidFill>
+                            <a:schemeClr val="tx2"/>
+                          </a:solidFill>
+                          <a:latin typeface="DM Sans 14pt" pitchFamily="2" charset="77"/>
+                        </a:rPr>
+                        <a:t>SE clustered by individual and state</a:t>
+                      </a:r>
+                    </a:p>
+                  </a:txBody>
+                  <a:tcPr/>
+                </a:tc>
+                <a:tc>
+                  <a:txBody>
+                    <a:bodyPr/>
+                    <a:lstStyle/>
+                    <a:p>
+                      <a:r>
+                        <a:rPr lang="en-US" dirty="0">
+                          <a:solidFill>
+                            <a:schemeClr val="tx2"/>
+                          </a:solidFill>
+                          <a:latin typeface="DM Sans 14pt" pitchFamily="2" charset="77"/>
+                        </a:rPr>
+                        <a:t>0.0</a:t>
+                      </a:r>
+                    </a:p>
+                  </a:txBody>
+                  <a:tcPr/>
+                </a:tc>
+                <a:tc>
+                  <a:txBody>
+                    <a:bodyPr/>
+                    <a:lstStyle/>
+                    <a:p>
+                      <a:r>
+                        <a:rPr lang="en-US" dirty="0">
+                          <a:solidFill>
+                            <a:schemeClr val="tx2"/>
+                          </a:solidFill>
+                          <a:latin typeface="DM Sans 14pt" pitchFamily="2" charset="77"/>
+                        </a:rPr>
+                        <a:t>0.053</a:t>
+                      </a:r>
+                    </a:p>
+                  </a:txBody>
+                  <a:tcPr/>
+                </a:tc>
+                <a:tc>
+                  <a:txBody>
+                    <a:bodyPr/>
+                    <a:lstStyle/>
+                    <a:p>
+                      <a:r>
+                        <a:rPr lang="en-US" dirty="0">
+                          <a:solidFill>
+                            <a:srgbClr val="990000"/>
+                          </a:solidFill>
+                          <a:latin typeface="DM Sans 14pt" pitchFamily="2" charset="77"/>
+                        </a:rPr>
+                        <a:t>0.942</a:t>
+                      </a:r>
+                    </a:p>
+                  </a:txBody>
+                  <a:tcPr/>
+                </a:tc>
+                <a:extLst>
+                  <a:ext uri="{0D108BD9-81ED-4DB2-BD59-A6C34878D82A}">
+                    <a16:rowId xmlns:a16="http://schemas.microsoft.com/office/drawing/2014/main" val="237984999"/>
+                  </a:ext>
+                </a:extLst>
+              </a:tr>
+              <a:tr h="370840">
+                <a:tc>
+                  <a:txBody>
+                    <a:bodyPr/>
+                    <a:lstStyle/>
+                    <a:p>
+                      <a:r>
+                        <a:rPr lang="en-US" dirty="0">
+                          <a:solidFill>
+                            <a:schemeClr val="tx2"/>
+                          </a:solidFill>
+                          <a:latin typeface="DM Sans 14pt" pitchFamily="2" charset="77"/>
+                        </a:rPr>
+                        <a:t>SE clustered by state and time</a:t>
+                      </a:r>
+                    </a:p>
+                  </a:txBody>
+                  <a:tcPr/>
+                </a:tc>
+                <a:tc>
+                  <a:txBody>
+                    <a:bodyPr/>
+                    <a:lstStyle/>
+                    <a:p>
+                      <a:r>
+                        <a:rPr lang="en-US" dirty="0">
+                          <a:solidFill>
+                            <a:schemeClr val="tx2"/>
+                          </a:solidFill>
+                          <a:latin typeface="DM Sans 14pt" pitchFamily="2" charset="77"/>
+                        </a:rPr>
+                        <a:t>0.0</a:t>
+                      </a:r>
+                    </a:p>
+                  </a:txBody>
+                  <a:tcPr/>
+                </a:tc>
+                <a:tc>
+                  <a:txBody>
+                    <a:bodyPr/>
+                    <a:lstStyle/>
+                    <a:p>
+                      <a:r>
+                        <a:rPr lang="en-US" dirty="0">
+                          <a:solidFill>
+                            <a:schemeClr val="tx2"/>
+                          </a:solidFill>
+                          <a:latin typeface="DM Sans 14pt" pitchFamily="2" charset="77"/>
+                        </a:rPr>
+                        <a:t>0.050</a:t>
+                      </a:r>
+                    </a:p>
+                  </a:txBody>
+                  <a:tcPr/>
+                </a:tc>
+                <a:tc>
+                  <a:txBody>
+                    <a:bodyPr/>
+                    <a:lstStyle/>
+                    <a:p>
+                      <a:r>
+                        <a:rPr lang="en-US" dirty="0">
+                          <a:solidFill>
+                            <a:srgbClr val="990000"/>
+                          </a:solidFill>
+                          <a:latin typeface="DM Sans 14pt" pitchFamily="2" charset="77"/>
+                        </a:rPr>
+                        <a:t>0.906</a:t>
+                      </a:r>
+                    </a:p>
+                  </a:txBody>
+                  <a:tcPr/>
+                </a:tc>
+                <a:extLst>
+                  <a:ext uri="{0D108BD9-81ED-4DB2-BD59-A6C34878D82A}">
+                    <a16:rowId xmlns:a16="http://schemas.microsoft.com/office/drawing/2014/main" val="2967528049"/>
+                  </a:ext>
+                </a:extLst>
+              </a:tr>
+              <a:tr h="370840">
+                <a:tc>
+                  <a:txBody>
+                    <a:bodyPr/>
+                    <a:lstStyle/>
+                    <a:p>
+                      <a:r>
+                        <a:rPr lang="en-US" dirty="0">
+                          <a:solidFill>
+                            <a:schemeClr val="tx2"/>
+                          </a:solidFill>
+                          <a:latin typeface="DM Sans 14pt" pitchFamily="2" charset="77"/>
+                        </a:rPr>
+                        <a:t>True mixed model</a:t>
+                      </a:r>
+                    </a:p>
+                  </a:txBody>
+                  <a:tcPr/>
+                </a:tc>
+                <a:tc>
+                  <a:txBody>
+                    <a:bodyPr/>
+                    <a:lstStyle/>
+                    <a:p>
+                      <a:r>
+                        <a:rPr lang="en-US" dirty="0">
+                          <a:solidFill>
+                            <a:schemeClr val="tx2"/>
+                          </a:solidFill>
+                          <a:latin typeface="DM Sans 14pt" pitchFamily="2" charset="77"/>
+                        </a:rPr>
+                        <a:t>0.0</a:t>
+                      </a:r>
+                    </a:p>
+                  </a:txBody>
+                  <a:tcPr/>
+                </a:tc>
+                <a:tc>
+                  <a:txBody>
+                    <a:bodyPr/>
+                    <a:lstStyle/>
+                    <a:p>
+                      <a:r>
+                        <a:rPr lang="en-US" dirty="0">
+                          <a:solidFill>
+                            <a:schemeClr val="tx2"/>
+                          </a:solidFill>
+                          <a:latin typeface="DM Sans 14pt" pitchFamily="2" charset="77"/>
+                        </a:rPr>
+                        <a:t>0.054</a:t>
+                      </a:r>
+                    </a:p>
+                  </a:txBody>
+                  <a:tcPr/>
+                </a:tc>
+                <a:tc>
+                  <a:txBody>
+                    <a:bodyPr/>
+                    <a:lstStyle/>
+                    <a:p>
+                      <a:r>
+                        <a:rPr lang="en-US" dirty="0">
+                          <a:solidFill>
+                            <a:srgbClr val="006076"/>
+                          </a:solidFill>
+                          <a:latin typeface="DM Sans 14pt" pitchFamily="2" charset="77"/>
+                        </a:rPr>
+                        <a:t>0.960</a:t>
+                      </a:r>
+                    </a:p>
+                  </a:txBody>
+                  <a:tcPr/>
+                </a:tc>
+                <a:extLst>
+                  <a:ext uri="{0D108BD9-81ED-4DB2-BD59-A6C34878D82A}">
+                    <a16:rowId xmlns:a16="http://schemas.microsoft.com/office/drawing/2014/main" val="703607543"/>
+                  </a:ext>
+                </a:extLst>
+              </a:tr>
+            </a:tbl>
+          </a:graphicData>
+        </a:graphic>
+      </p:graphicFrame>
       <p:sp>
         <p:nvSpPr>
           <p:cNvPr id="8" name="Rounded Rectangle 7">
             <a:extLst>
               <a:ext uri="{FF2B5EF4-FFF2-40B4-BE49-F238E27FC236}">
-                <a16:creationId xmlns:a16="http://schemas.microsoft.com/office/drawing/2014/main" id="{469BA456-6A7F-A0CC-2D7F-BD1BA7C5FED7}"/>
+                <a16:creationId xmlns:a16="http://schemas.microsoft.com/office/drawing/2014/main" id="{567F75F9-3B4A-2A0D-4426-7A024C33716D}"/>
               </a:ext>
             </a:extLst>
           </p:cNvPr>
@@ -45544,95 +47386,355 @@
     </p:spTree>
     <p:extLst>
       <p:ext uri="{BB962C8B-B14F-4D97-AF65-F5344CB8AC3E}">
-        <p14:creationId xmlns:p14="http://schemas.microsoft.com/office/powerpoint/2010/main" val="19354202"/>
+        <p14:creationId xmlns:p14="http://schemas.microsoft.com/office/powerpoint/2010/main" val="401611259"/>
       </p:ext>
     </p:extLst>
   </p:cSld>
   <p:clrMapOvr>
     <a:masterClrMapping/>
   </p:clrMapOvr>
-  <p:timing>
-    <p:tnLst>
-      <p:par>
-        <p:cTn id="1" dur="indefinite" restart="never" nodeType="tmRoot">
-          <p:childTnLst>
-            <p:seq concurrent="1" nextAc="seek">
-              <p:cTn id="2" dur="indefinite" nodeType="mainSeq">
-                <p:childTnLst>
-                  <p:par>
-                    <p:cTn id="3" fill="hold">
-                      <p:stCondLst>
-                        <p:cond delay="indefinite"/>
-                      </p:stCondLst>
-                      <p:childTnLst>
-                        <p:par>
-                          <p:cTn id="4" fill="hold">
-                            <p:stCondLst>
-                              <p:cond delay="0"/>
-                            </p:stCondLst>
-                            <p:childTnLst>
-                              <p:par>
-                                <p:cTn id="5" presetID="1" presetClass="entr" presetSubtype="0" fill="hold" grpId="0" nodeType="clickEffect">
-                                  <p:stCondLst>
-                                    <p:cond delay="0"/>
-                                  </p:stCondLst>
-                                  <p:childTnLst>
-                                    <p:set>
-                                      <p:cBhvr>
-                                        <p:cTn id="6" dur="1" fill="hold">
-                                          <p:stCondLst>
-                                            <p:cond delay="0"/>
-                                          </p:stCondLst>
-                                        </p:cTn>
-                                        <p:tgtEl>
-                                          <p:spTgt spid="8"/>
-                                        </p:tgtEl>
-                                        <p:attrNameLst>
-                                          <p:attrName>style.visibility</p:attrName>
-                                        </p:attrNameLst>
-                                      </p:cBhvr>
-                                      <p:to>
-                                        <p:strVal val="visible"/>
-                                      </p:to>
-                                    </p:set>
-                                  </p:childTnLst>
-                                </p:cTn>
-                              </p:par>
-                            </p:childTnLst>
-                          </p:cTn>
-                        </p:par>
-                      </p:childTnLst>
-                    </p:cTn>
-                  </p:par>
-                </p:childTnLst>
-              </p:cTn>
-              <p:prevCondLst>
-                <p:cond evt="onPrev" delay="0">
-                  <p:tgtEl>
-                    <p:sldTgt/>
-                  </p:tgtEl>
-                </p:cond>
-              </p:prevCondLst>
-              <p:nextCondLst>
-                <p:cond evt="onNext" delay="0">
-                  <p:tgtEl>
-                    <p:sldTgt/>
-                  </p:tgtEl>
-                </p:cond>
-              </p:nextCondLst>
-            </p:seq>
-          </p:childTnLst>
-        </p:cTn>
-      </p:par>
-    </p:tnLst>
-    <p:bldLst>
-      <p:bldP spid="8" grpId="0" animBg="1"/>
-    </p:bldLst>
-  </p:timing>
 </p:sld>
 </file>
 
-<file path=ppt/slides/slide19.xml><?xml version="1.0" encoding="utf-8"?>
+<file path=ppt/slides/slide2.xml><?xml version="1.0" encoding="utf-8"?>
+<p:sld xmlns:a="http://schemas.openxmlformats.org/drawingml/2006/main" xmlns:r="http://schemas.openxmlformats.org/officeDocument/2006/relationships" xmlns:p="http://schemas.openxmlformats.org/presentationml/2006/main">
+  <p:cSld>
+    <p:spTree>
+      <p:nvGrpSpPr>
+        <p:cNvPr id="1" name=""/>
+        <p:cNvGrpSpPr/>
+        <p:nvPr/>
+      </p:nvGrpSpPr>
+      <p:grpSpPr>
+        <a:xfrm>
+          <a:off x="0" y="0"/>
+          <a:ext cx="0" cy="0"/>
+          <a:chOff x="0" y="0"/>
+          <a:chExt cx="0" cy="0"/>
+        </a:xfrm>
+      </p:grpSpPr>
+      <p:sp>
+        <p:nvSpPr>
+          <p:cNvPr id="2" name="Title 1">
+            <a:extLst>
+              <a:ext uri="{FF2B5EF4-FFF2-40B4-BE49-F238E27FC236}">
+                <a16:creationId xmlns:a16="http://schemas.microsoft.com/office/drawing/2014/main" id="{AE5440C0-3A60-817F-5E43-D84921BB374D}"/>
+              </a:ext>
+            </a:extLst>
+          </p:cNvPr>
+          <p:cNvSpPr>
+            <a:spLocks noGrp="1"/>
+          </p:cNvSpPr>
+          <p:nvPr>
+            <p:ph type="title"/>
+          </p:nvPr>
+        </p:nvSpPr>
+        <p:spPr/>
+        <p:txBody>
+          <a:bodyPr/>
+          <a:lstStyle/>
+          <a:p>
+            <a:r>
+              <a:rPr lang="en-US" sz="3200" dirty="0"/>
+              <a:t>Motivating Example: Medical Cannabis Laws and Opioid Prescribing in the U.S.</a:t>
+            </a:r>
+          </a:p>
+        </p:txBody>
+      </p:sp>
+      <p:sp>
+        <p:nvSpPr>
+          <p:cNvPr id="3" name="Content Placeholder 2">
+            <a:extLst>
+              <a:ext uri="{FF2B5EF4-FFF2-40B4-BE49-F238E27FC236}">
+                <a16:creationId xmlns:a16="http://schemas.microsoft.com/office/drawing/2014/main" id="{35610301-7F8B-BDE7-B82C-4D418A884DA0}"/>
+              </a:ext>
+            </a:extLst>
+          </p:cNvPr>
+          <p:cNvSpPr>
+            <a:spLocks noGrp="1"/>
+          </p:cNvSpPr>
+          <p:nvPr>
+            <p:ph idx="1"/>
+          </p:nvPr>
+        </p:nvSpPr>
+        <p:spPr/>
+        <p:txBody>
+          <a:bodyPr/>
+          <a:lstStyle/>
+          <a:p>
+            <a:pPr marL="342900" indent="-342900">
+              <a:buFont typeface="Arial" panose="020B0604020202020204" pitchFamily="34" charset="0"/>
+              <a:buChar char="•"/>
+            </a:pPr>
+            <a:r>
+              <a:rPr lang="en-US" dirty="0"/>
+              <a:t>Cannabis is a potentially effective treatment for chronic non-cancer pain, but evidence is limited and mixed.</a:t>
+            </a:r>
+          </a:p>
+          <a:p>
+            <a:pPr marL="342900" indent="-342900">
+              <a:buFont typeface="Arial" panose="020B0604020202020204" pitchFamily="34" charset="0"/>
+              <a:buChar char="•"/>
+            </a:pPr>
+            <a:r>
+              <a:rPr lang="en-US" dirty="0"/>
+              <a:t>Patients with chronic non-cancer pain are eligible to use medical cannabis under all existing U.S. state medical cannabis laws</a:t>
+            </a:r>
+          </a:p>
+          <a:p>
+            <a:pPr marL="342900" indent="-342900">
+              <a:buFont typeface="Arial" panose="020B0604020202020204" pitchFamily="34" charset="0"/>
+              <a:buChar char="•"/>
+            </a:pPr>
+            <a:r>
+              <a:rPr lang="en-US" dirty="0"/>
+              <a:t>There is some evidence of substitution among adults with chronic non-cancer pain.</a:t>
+            </a:r>
+          </a:p>
+          <a:p>
+            <a:pPr marL="342900" indent="-342900">
+              <a:buFont typeface="Arial" panose="020B0604020202020204" pitchFamily="34" charset="0"/>
+              <a:buChar char="•"/>
+            </a:pPr>
+            <a:endParaRPr lang="en-US" dirty="0"/>
+          </a:p>
+          <a:p>
+            <a:r>
+              <a:rPr lang="en-US" b="1" dirty="0"/>
+              <a:t>Question:</a:t>
+            </a:r>
+            <a:r>
+              <a:rPr lang="en-US" dirty="0"/>
+              <a:t> What are the effects of state medical cannabis laws on receipt of opioid pain treatment among patients with chronic non-cancer pain?</a:t>
+            </a:r>
+            <a:endParaRPr lang="en-US" b="1" dirty="0"/>
+          </a:p>
+        </p:txBody>
+      </p:sp>
+      <p:sp>
+        <p:nvSpPr>
+          <p:cNvPr id="4" name="Slide Number Placeholder 3">
+            <a:extLst>
+              <a:ext uri="{FF2B5EF4-FFF2-40B4-BE49-F238E27FC236}">
+                <a16:creationId xmlns:a16="http://schemas.microsoft.com/office/drawing/2014/main" id="{B9E484FA-059E-A955-B94A-A14D698123DB}"/>
+              </a:ext>
+            </a:extLst>
+          </p:cNvPr>
+          <p:cNvSpPr>
+            <a:spLocks noGrp="1"/>
+          </p:cNvSpPr>
+          <p:nvPr>
+            <p:ph type="sldNum" sz="quarter" idx="11"/>
+          </p:nvPr>
+        </p:nvSpPr>
+        <p:spPr/>
+        <p:txBody>
+          <a:bodyPr/>
+          <a:lstStyle/>
+          <a:p>
+            <a:fld id="{2DDEA8E7-5F55-4A60-8EF9-470692FC5635}" type="slidenum">
+              <a:rPr lang="en-US" noProof="0" smtClean="0"/>
+              <a:pPr/>
+              <a:t>2</a:t>
+            </a:fld>
+            <a:endParaRPr lang="en-US" noProof="0"/>
+          </a:p>
+        </p:txBody>
+      </p:sp>
+      <p:pic>
+        <p:nvPicPr>
+          <p:cNvPr id="5" name="Content Placeholder 10">
+            <a:extLst>
+              <a:ext uri="{FF2B5EF4-FFF2-40B4-BE49-F238E27FC236}">
+                <a16:creationId xmlns:a16="http://schemas.microsoft.com/office/drawing/2014/main" id="{279B4D51-77B3-831F-8716-264128896FF1}"/>
+              </a:ext>
+            </a:extLst>
+          </p:cNvPr>
+          <p:cNvPicPr>
+            <a:picLocks noChangeAspect="1"/>
+          </p:cNvPicPr>
+          <p:nvPr/>
+        </p:nvPicPr>
+        <p:blipFill>
+          <a:blip r:embed="rId3">
+            <a:extLst>
+              <a:ext uri="{28A0092B-C50C-407E-A947-70E740481C1C}">
+                <a14:useLocalDpi xmlns:a14="http://schemas.microsoft.com/office/drawing/2010/main" val="0"/>
+              </a:ext>
+            </a:extLst>
+          </a:blip>
+          <a:srcRect/>
+          <a:stretch/>
+        </p:blipFill>
+        <p:spPr>
+          <a:xfrm>
+            <a:off x="11060425" y="28475"/>
+            <a:ext cx="1106488" cy="1106488"/>
+          </a:xfrm>
+          <a:prstGeom prst="rect">
+            <a:avLst/>
+          </a:prstGeom>
+        </p:spPr>
+      </p:pic>
+      <p:sp>
+        <p:nvSpPr>
+          <p:cNvPr id="6" name="TextBox 5">
+            <a:extLst>
+              <a:ext uri="{FF2B5EF4-FFF2-40B4-BE49-F238E27FC236}">
+                <a16:creationId xmlns:a16="http://schemas.microsoft.com/office/drawing/2014/main" id="{A613B31E-C510-00A2-2FB5-B645F034AA4B}"/>
+              </a:ext>
+            </a:extLst>
+          </p:cNvPr>
+          <p:cNvSpPr txBox="1"/>
+          <p:nvPr/>
+        </p:nvSpPr>
+        <p:spPr>
+          <a:xfrm>
+            <a:off x="9577704" y="127913"/>
+            <a:ext cx="925830" cy="492443"/>
+          </a:xfrm>
+          <a:prstGeom prst="rect">
+            <a:avLst/>
+          </a:prstGeom>
+          <a:noFill/>
+        </p:spPr>
+        <p:txBody>
+          <a:bodyPr wrap="square" lIns="0" tIns="0" rIns="0" bIns="0" rtlCol="0">
+            <a:spAutoFit/>
+          </a:bodyPr>
+          <a:lstStyle/>
+          <a:p>
+            <a:pPr algn="ctr"/>
+            <a:r>
+              <a:rPr lang="en-US" sz="1600" dirty="0">
+                <a:solidFill>
+                  <a:schemeClr val="accent1"/>
+                </a:solidFill>
+                <a:latin typeface="Architects Daughter" pitchFamily="2" charset="0"/>
+              </a:rPr>
+              <a:t>Scan for slides</a:t>
+            </a:r>
+          </a:p>
+        </p:txBody>
+      </p:sp>
+      <p:cxnSp>
+        <p:nvCxnSpPr>
+          <p:cNvPr id="7" name="Curved Connector 6">
+            <a:extLst>
+              <a:ext uri="{FF2B5EF4-FFF2-40B4-BE49-F238E27FC236}">
+                <a16:creationId xmlns:a16="http://schemas.microsoft.com/office/drawing/2014/main" id="{EE77DB78-1B95-72FE-593F-6D64862A761E}"/>
+              </a:ext>
+            </a:extLst>
+          </p:cNvPr>
+          <p:cNvCxnSpPr>
+            <a:cxnSpLocks/>
+            <a:stCxn id="6" idx="3"/>
+            <a:endCxn id="5" idx="1"/>
+          </p:cNvCxnSpPr>
+          <p:nvPr/>
+        </p:nvCxnSpPr>
+        <p:spPr>
+          <a:xfrm>
+            <a:off x="10503534" y="374135"/>
+            <a:ext cx="556891" cy="207584"/>
+          </a:xfrm>
+          <a:prstGeom prst="curvedConnector3">
+            <a:avLst/>
+          </a:prstGeom>
+          <a:ln w="28575">
+            <a:tailEnd type="triangle"/>
+          </a:ln>
+        </p:spPr>
+        <p:style>
+          <a:lnRef idx="1">
+            <a:schemeClr val="accent1"/>
+          </a:lnRef>
+          <a:fillRef idx="0">
+            <a:schemeClr val="accent1"/>
+          </a:fillRef>
+          <a:effectRef idx="0">
+            <a:schemeClr val="accent1"/>
+          </a:effectRef>
+          <a:fontRef idx="minor">
+            <a:schemeClr val="tx1"/>
+          </a:fontRef>
+        </p:style>
+      </p:cxnSp>
+      <p:sp>
+        <p:nvSpPr>
+          <p:cNvPr id="8" name="TextBox 7">
+            <a:extLst>
+              <a:ext uri="{FF2B5EF4-FFF2-40B4-BE49-F238E27FC236}">
+                <a16:creationId xmlns:a16="http://schemas.microsoft.com/office/drawing/2014/main" id="{4C529B47-53B1-DD2A-D5CE-80BB4F166674}"/>
+              </a:ext>
+            </a:extLst>
+          </p:cNvPr>
+          <p:cNvSpPr txBox="1"/>
+          <p:nvPr/>
+        </p:nvSpPr>
+        <p:spPr>
+          <a:xfrm>
+            <a:off x="493667" y="5845612"/>
+            <a:ext cx="9612233" cy="584775"/>
+          </a:xfrm>
+          <a:prstGeom prst="rect">
+            <a:avLst/>
+          </a:prstGeom>
+          <a:noFill/>
+        </p:spPr>
+        <p:txBody>
+          <a:bodyPr wrap="square">
+            <a:spAutoFit/>
+          </a:bodyPr>
+          <a:lstStyle/>
+          <a:p>
+            <a:r>
+              <a:rPr lang="en-US" sz="1600" dirty="0">
+                <a:solidFill>
+                  <a:schemeClr val="accent4"/>
+                </a:solidFill>
+                <a:effectLst/>
+                <a:latin typeface="DM Sans 14pt" pitchFamily="2" charset="77"/>
+              </a:rPr>
+              <a:t>McGinty EE, Tormohlen KN, Seewald NJ, et al. Effects of U.S. State Medical Cannabis Laws on Treatment of Chronic Noncancer Pain. </a:t>
+            </a:r>
+            <a:r>
+              <a:rPr lang="en-US" sz="1600" i="1" dirty="0">
+                <a:solidFill>
+                  <a:schemeClr val="accent4"/>
+                </a:solidFill>
+                <a:effectLst/>
+                <a:latin typeface="DM Sans 14pt" pitchFamily="2" charset="77"/>
+              </a:rPr>
+              <a:t>Ann Intern Med.</a:t>
+            </a:r>
+            <a:r>
+              <a:rPr lang="en-US" sz="1600" dirty="0">
+                <a:solidFill>
+                  <a:schemeClr val="accent4"/>
+                </a:solidFill>
+                <a:effectLst/>
+                <a:latin typeface="DM Sans 14pt" pitchFamily="2" charset="77"/>
+              </a:rPr>
+              <a:t> 2023;176(7):904-912.</a:t>
+            </a:r>
+          </a:p>
+        </p:txBody>
+      </p:sp>
+    </p:spTree>
+    <p:extLst>
+      <p:ext uri="{BB962C8B-B14F-4D97-AF65-F5344CB8AC3E}">
+        <p14:creationId xmlns:p14="http://schemas.microsoft.com/office/powerpoint/2010/main" val="2628229835"/>
+      </p:ext>
+    </p:extLst>
+  </p:cSld>
+  <p:clrMapOvr>
+    <a:masterClrMapping/>
+  </p:clrMapOvr>
+</p:sld>
+</file>
+
+<file path=ppt/slides/slide20.xml><?xml version="1.0" encoding="utf-8"?>
 <p:sld xmlns:a="http://schemas.openxmlformats.org/drawingml/2006/main" xmlns:r="http://schemas.openxmlformats.org/officeDocument/2006/relationships" xmlns:p="http://schemas.openxmlformats.org/presentationml/2006/main">
   <p:cSld>
     <p:spTree>
@@ -46512,7 +48614,7 @@
             <a:fld id="{2DDEA8E7-5F55-4A60-8EF9-470692FC5635}" type="slidenum">
               <a:rPr lang="en-US" noProof="0" smtClean="0"/>
               <a:pPr/>
-              <a:t>19</a:t>
+              <a:t>20</a:t>
             </a:fld>
             <a:endParaRPr lang="en-US" noProof="0"/>
           </a:p>
@@ -47441,345 +49543,7 @@
 </p:sld>
 </file>
 
-<file path=ppt/slides/slide2.xml><?xml version="1.0" encoding="utf-8"?>
-<p:sld xmlns:a="http://schemas.openxmlformats.org/drawingml/2006/main" xmlns:r="http://schemas.openxmlformats.org/officeDocument/2006/relationships" xmlns:p="http://schemas.openxmlformats.org/presentationml/2006/main">
-  <p:cSld>
-    <p:spTree>
-      <p:nvGrpSpPr>
-        <p:cNvPr id="1" name=""/>
-        <p:cNvGrpSpPr/>
-        <p:nvPr/>
-      </p:nvGrpSpPr>
-      <p:grpSpPr>
-        <a:xfrm>
-          <a:off x="0" y="0"/>
-          <a:ext cx="0" cy="0"/>
-          <a:chOff x="0" y="0"/>
-          <a:chExt cx="0" cy="0"/>
-        </a:xfrm>
-      </p:grpSpPr>
-      <p:sp>
-        <p:nvSpPr>
-          <p:cNvPr id="2" name="Title 1">
-            <a:extLst>
-              <a:ext uri="{FF2B5EF4-FFF2-40B4-BE49-F238E27FC236}">
-                <a16:creationId xmlns:a16="http://schemas.microsoft.com/office/drawing/2014/main" id="{AE5440C0-3A60-817F-5E43-D84921BB374D}"/>
-              </a:ext>
-            </a:extLst>
-          </p:cNvPr>
-          <p:cNvSpPr>
-            <a:spLocks noGrp="1"/>
-          </p:cNvSpPr>
-          <p:nvPr>
-            <p:ph type="title"/>
-          </p:nvPr>
-        </p:nvSpPr>
-        <p:spPr/>
-        <p:txBody>
-          <a:bodyPr/>
-          <a:lstStyle/>
-          <a:p>
-            <a:r>
-              <a:rPr lang="en-US" sz="3200" dirty="0"/>
-              <a:t>Motivating Example: Medical Cannabis Laws and Opioid Prescribing in the U.S.</a:t>
-            </a:r>
-          </a:p>
-        </p:txBody>
-      </p:sp>
-      <p:sp>
-        <p:nvSpPr>
-          <p:cNvPr id="3" name="Content Placeholder 2">
-            <a:extLst>
-              <a:ext uri="{FF2B5EF4-FFF2-40B4-BE49-F238E27FC236}">
-                <a16:creationId xmlns:a16="http://schemas.microsoft.com/office/drawing/2014/main" id="{35610301-7F8B-BDE7-B82C-4D418A884DA0}"/>
-              </a:ext>
-            </a:extLst>
-          </p:cNvPr>
-          <p:cNvSpPr>
-            <a:spLocks noGrp="1"/>
-          </p:cNvSpPr>
-          <p:nvPr>
-            <p:ph idx="1"/>
-          </p:nvPr>
-        </p:nvSpPr>
-        <p:spPr/>
-        <p:txBody>
-          <a:bodyPr/>
-          <a:lstStyle/>
-          <a:p>
-            <a:pPr marL="342900" indent="-342900">
-              <a:buFont typeface="Arial" panose="020B0604020202020204" pitchFamily="34" charset="0"/>
-              <a:buChar char="•"/>
-            </a:pPr>
-            <a:r>
-              <a:rPr lang="en-US" dirty="0"/>
-              <a:t>Cannabis is a potentially effective treatment for chronic non-cancer pain, but evidence is limited and mixed.</a:t>
-            </a:r>
-          </a:p>
-          <a:p>
-            <a:pPr marL="342900" indent="-342900">
-              <a:buFont typeface="Arial" panose="020B0604020202020204" pitchFamily="34" charset="0"/>
-              <a:buChar char="•"/>
-            </a:pPr>
-            <a:r>
-              <a:rPr lang="en-US" dirty="0"/>
-              <a:t>Patients with chronic non-cancer pain are eligible to use medical cannabis under all existing U.S. state medical cannabis laws</a:t>
-            </a:r>
-          </a:p>
-          <a:p>
-            <a:pPr marL="342900" indent="-342900">
-              <a:buFont typeface="Arial" panose="020B0604020202020204" pitchFamily="34" charset="0"/>
-              <a:buChar char="•"/>
-            </a:pPr>
-            <a:r>
-              <a:rPr lang="en-US" dirty="0"/>
-              <a:t>There is some evidence of substitution among adults with chronic non-cancer pain.</a:t>
-            </a:r>
-          </a:p>
-          <a:p>
-            <a:pPr marL="342900" indent="-342900">
-              <a:buFont typeface="Arial" panose="020B0604020202020204" pitchFamily="34" charset="0"/>
-              <a:buChar char="•"/>
-            </a:pPr>
-            <a:endParaRPr lang="en-US" dirty="0"/>
-          </a:p>
-          <a:p>
-            <a:r>
-              <a:rPr lang="en-US" b="1" dirty="0"/>
-              <a:t>Question:</a:t>
-            </a:r>
-            <a:r>
-              <a:rPr lang="en-US" dirty="0"/>
-              <a:t> What are the effects of state medical cannabis laws on receipt of opioid pain treatment among patients with chronic non-cancer pain?</a:t>
-            </a:r>
-            <a:endParaRPr lang="en-US" b="1" dirty="0"/>
-          </a:p>
-        </p:txBody>
-      </p:sp>
-      <p:sp>
-        <p:nvSpPr>
-          <p:cNvPr id="4" name="Slide Number Placeholder 3">
-            <a:extLst>
-              <a:ext uri="{FF2B5EF4-FFF2-40B4-BE49-F238E27FC236}">
-                <a16:creationId xmlns:a16="http://schemas.microsoft.com/office/drawing/2014/main" id="{B9E484FA-059E-A955-B94A-A14D698123DB}"/>
-              </a:ext>
-            </a:extLst>
-          </p:cNvPr>
-          <p:cNvSpPr>
-            <a:spLocks noGrp="1"/>
-          </p:cNvSpPr>
-          <p:nvPr>
-            <p:ph type="sldNum" sz="quarter" idx="11"/>
-          </p:nvPr>
-        </p:nvSpPr>
-        <p:spPr/>
-        <p:txBody>
-          <a:bodyPr/>
-          <a:lstStyle/>
-          <a:p>
-            <a:fld id="{2DDEA8E7-5F55-4A60-8EF9-470692FC5635}" type="slidenum">
-              <a:rPr lang="en-US" noProof="0" smtClean="0"/>
-              <a:pPr/>
-              <a:t>2</a:t>
-            </a:fld>
-            <a:endParaRPr lang="en-US" noProof="0"/>
-          </a:p>
-        </p:txBody>
-      </p:sp>
-      <p:pic>
-        <p:nvPicPr>
-          <p:cNvPr id="5" name="Content Placeholder 10">
-            <a:extLst>
-              <a:ext uri="{FF2B5EF4-FFF2-40B4-BE49-F238E27FC236}">
-                <a16:creationId xmlns:a16="http://schemas.microsoft.com/office/drawing/2014/main" id="{279B4D51-77B3-831F-8716-264128896FF1}"/>
-              </a:ext>
-            </a:extLst>
-          </p:cNvPr>
-          <p:cNvPicPr>
-            <a:picLocks noChangeAspect="1"/>
-          </p:cNvPicPr>
-          <p:nvPr/>
-        </p:nvPicPr>
-        <p:blipFill>
-          <a:blip r:embed="rId3">
-            <a:extLst>
-              <a:ext uri="{28A0092B-C50C-407E-A947-70E740481C1C}">
-                <a14:useLocalDpi xmlns:a14="http://schemas.microsoft.com/office/drawing/2010/main" val="0"/>
-              </a:ext>
-            </a:extLst>
-          </a:blip>
-          <a:srcRect/>
-          <a:stretch/>
-        </p:blipFill>
-        <p:spPr>
-          <a:xfrm>
-            <a:off x="11060425" y="28475"/>
-            <a:ext cx="1106488" cy="1106488"/>
-          </a:xfrm>
-          <a:prstGeom prst="rect">
-            <a:avLst/>
-          </a:prstGeom>
-        </p:spPr>
-      </p:pic>
-      <p:sp>
-        <p:nvSpPr>
-          <p:cNvPr id="6" name="TextBox 5">
-            <a:extLst>
-              <a:ext uri="{FF2B5EF4-FFF2-40B4-BE49-F238E27FC236}">
-                <a16:creationId xmlns:a16="http://schemas.microsoft.com/office/drawing/2014/main" id="{A613B31E-C510-00A2-2FB5-B645F034AA4B}"/>
-              </a:ext>
-            </a:extLst>
-          </p:cNvPr>
-          <p:cNvSpPr txBox="1"/>
-          <p:nvPr/>
-        </p:nvSpPr>
-        <p:spPr>
-          <a:xfrm>
-            <a:off x="9577704" y="127913"/>
-            <a:ext cx="925830" cy="492443"/>
-          </a:xfrm>
-          <a:prstGeom prst="rect">
-            <a:avLst/>
-          </a:prstGeom>
-          <a:noFill/>
-        </p:spPr>
-        <p:txBody>
-          <a:bodyPr wrap="square" lIns="0" tIns="0" rIns="0" bIns="0" rtlCol="0">
-            <a:spAutoFit/>
-          </a:bodyPr>
-          <a:lstStyle/>
-          <a:p>
-            <a:pPr algn="ctr"/>
-            <a:r>
-              <a:rPr lang="en-US" sz="1600" dirty="0">
-                <a:solidFill>
-                  <a:schemeClr val="accent1"/>
-                </a:solidFill>
-                <a:latin typeface="Architects Daughter" pitchFamily="2" charset="0"/>
-              </a:rPr>
-              <a:t>Scan for slides</a:t>
-            </a:r>
-          </a:p>
-        </p:txBody>
-      </p:sp>
-      <p:cxnSp>
-        <p:nvCxnSpPr>
-          <p:cNvPr id="7" name="Curved Connector 6">
-            <a:extLst>
-              <a:ext uri="{FF2B5EF4-FFF2-40B4-BE49-F238E27FC236}">
-                <a16:creationId xmlns:a16="http://schemas.microsoft.com/office/drawing/2014/main" id="{EE77DB78-1B95-72FE-593F-6D64862A761E}"/>
-              </a:ext>
-            </a:extLst>
-          </p:cNvPr>
-          <p:cNvCxnSpPr>
-            <a:cxnSpLocks/>
-            <a:stCxn id="6" idx="3"/>
-            <a:endCxn id="5" idx="1"/>
-          </p:cNvCxnSpPr>
-          <p:nvPr/>
-        </p:nvCxnSpPr>
-        <p:spPr>
-          <a:xfrm>
-            <a:off x="10503534" y="374135"/>
-            <a:ext cx="556891" cy="207584"/>
-          </a:xfrm>
-          <a:prstGeom prst="curvedConnector3">
-            <a:avLst/>
-          </a:prstGeom>
-          <a:ln w="28575">
-            <a:tailEnd type="triangle"/>
-          </a:ln>
-        </p:spPr>
-        <p:style>
-          <a:lnRef idx="1">
-            <a:schemeClr val="accent1"/>
-          </a:lnRef>
-          <a:fillRef idx="0">
-            <a:schemeClr val="accent1"/>
-          </a:fillRef>
-          <a:effectRef idx="0">
-            <a:schemeClr val="accent1"/>
-          </a:effectRef>
-          <a:fontRef idx="minor">
-            <a:schemeClr val="tx1"/>
-          </a:fontRef>
-        </p:style>
-      </p:cxnSp>
-      <p:sp>
-        <p:nvSpPr>
-          <p:cNvPr id="8" name="TextBox 7">
-            <a:extLst>
-              <a:ext uri="{FF2B5EF4-FFF2-40B4-BE49-F238E27FC236}">
-                <a16:creationId xmlns:a16="http://schemas.microsoft.com/office/drawing/2014/main" id="{4C529B47-53B1-DD2A-D5CE-80BB4F166674}"/>
-              </a:ext>
-            </a:extLst>
-          </p:cNvPr>
-          <p:cNvSpPr txBox="1"/>
-          <p:nvPr/>
-        </p:nvSpPr>
-        <p:spPr>
-          <a:xfrm>
-            <a:off x="493667" y="5845612"/>
-            <a:ext cx="9612233" cy="584775"/>
-          </a:xfrm>
-          <a:prstGeom prst="rect">
-            <a:avLst/>
-          </a:prstGeom>
-          <a:noFill/>
-        </p:spPr>
-        <p:txBody>
-          <a:bodyPr wrap="square">
-            <a:spAutoFit/>
-          </a:bodyPr>
-          <a:lstStyle/>
-          <a:p>
-            <a:r>
-              <a:rPr lang="en-US" sz="1600" dirty="0">
-                <a:solidFill>
-                  <a:schemeClr val="accent4"/>
-                </a:solidFill>
-                <a:effectLst/>
-                <a:latin typeface="DM Sans 14pt" pitchFamily="2" charset="77"/>
-              </a:rPr>
-              <a:t>McGinty EE, Tormohlen KN, Seewald NJ, et al. Effects of U.S. State Medical Cannabis Laws on Treatment of Chronic Noncancer Pain. </a:t>
-            </a:r>
-            <a:r>
-              <a:rPr lang="en-US" sz="1600" i="1" dirty="0">
-                <a:solidFill>
-                  <a:schemeClr val="accent4"/>
-                </a:solidFill>
-                <a:effectLst/>
-                <a:latin typeface="DM Sans 14pt" pitchFamily="2" charset="77"/>
-              </a:rPr>
-              <a:t>Ann Intern Med.</a:t>
-            </a:r>
-            <a:r>
-              <a:rPr lang="en-US" sz="1600" dirty="0">
-                <a:solidFill>
-                  <a:schemeClr val="accent4"/>
-                </a:solidFill>
-                <a:effectLst/>
-                <a:latin typeface="DM Sans 14pt" pitchFamily="2" charset="77"/>
-              </a:rPr>
-              <a:t> 2023;176(7):904-912.</a:t>
-            </a:r>
-          </a:p>
-        </p:txBody>
-      </p:sp>
-    </p:spTree>
-    <p:extLst>
-      <p:ext uri="{BB962C8B-B14F-4D97-AF65-F5344CB8AC3E}">
-        <p14:creationId xmlns:p14="http://schemas.microsoft.com/office/powerpoint/2010/main" val="2628229835"/>
-      </p:ext>
-    </p:extLst>
-  </p:cSld>
-  <p:clrMapOvr>
-    <a:masterClrMapping/>
-  </p:clrMapOvr>
-</p:sld>
-</file>
-
-<file path=ppt/slides/slide20.xml><?xml version="1.0" encoding="utf-8"?>
+<file path=ppt/slides/slide21.xml><?xml version="1.0" encoding="utf-8"?>
 <p:sld xmlns:a="http://schemas.openxmlformats.org/drawingml/2006/main" xmlns:r="http://schemas.openxmlformats.org/officeDocument/2006/relationships" xmlns:p="http://schemas.openxmlformats.org/presentationml/2006/main">
   <p:cSld>
     <p:spTree>
@@ -47917,7 +49681,7 @@
             <a:fld id="{2DDEA8E7-5F55-4A60-8EF9-470692FC5635}" type="slidenum">
               <a:rPr lang="en-US" noProof="0" smtClean="0"/>
               <a:pPr/>
-              <a:t>20</a:t>
+              <a:t>21</a:t>
             </a:fld>
             <a:endParaRPr lang="en-US" noProof="0"/>
           </a:p>
@@ -48841,58 +50605,50 @@
         </p:nvSpPr>
         <p:spPr>
           <a:xfrm>
-            <a:off x="363042" y="4054768"/>
-            <a:ext cx="4286879" cy="2352063"/>
+            <a:off x="363042" y="3850106"/>
+            <a:ext cx="3471021" cy="2556726"/>
           </a:xfrm>
           <a:custGeom>
             <a:avLst/>
             <a:gdLst>
-              <a:gd name="connsiteX0" fmla="*/ 0 w 4286879"/>
-              <a:gd name="connsiteY0" fmla="*/ 392018 h 2352063"/>
-              <a:gd name="connsiteX1" fmla="*/ 392018 w 4286879"/>
-              <a:gd name="connsiteY1" fmla="*/ 0 h 2352063"/>
-              <a:gd name="connsiteX2" fmla="*/ 905768 w 4286879"/>
-              <a:gd name="connsiteY2" fmla="*/ 0 h 2352063"/>
-              <a:gd name="connsiteX3" fmla="*/ 1559632 w 4286879"/>
-              <a:gd name="connsiteY3" fmla="*/ 0 h 2352063"/>
-              <a:gd name="connsiteX4" fmla="*/ 2073383 w 4286879"/>
-              <a:gd name="connsiteY4" fmla="*/ 0 h 2352063"/>
-              <a:gd name="connsiteX5" fmla="*/ 2692218 w 4286879"/>
-              <a:gd name="connsiteY5" fmla="*/ 0 h 2352063"/>
-              <a:gd name="connsiteX6" fmla="*/ 3276025 w 4286879"/>
-              <a:gd name="connsiteY6" fmla="*/ 0 h 2352063"/>
-              <a:gd name="connsiteX7" fmla="*/ 3894861 w 4286879"/>
-              <a:gd name="connsiteY7" fmla="*/ 0 h 2352063"/>
-              <a:gd name="connsiteX8" fmla="*/ 4286879 w 4286879"/>
-              <a:gd name="connsiteY8" fmla="*/ 392018 h 2352063"/>
-              <a:gd name="connsiteX9" fmla="*/ 4286879 w 4286879"/>
-              <a:gd name="connsiteY9" fmla="*/ 867653 h 2352063"/>
-              <a:gd name="connsiteX10" fmla="*/ 4286879 w 4286879"/>
-              <a:gd name="connsiteY10" fmla="*/ 1343288 h 2352063"/>
-              <a:gd name="connsiteX11" fmla="*/ 4286879 w 4286879"/>
-              <a:gd name="connsiteY11" fmla="*/ 1960045 h 2352063"/>
-              <a:gd name="connsiteX12" fmla="*/ 3894861 w 4286879"/>
-              <a:gd name="connsiteY12" fmla="*/ 2352063 h 2352063"/>
-              <a:gd name="connsiteX13" fmla="*/ 3240997 w 4286879"/>
-              <a:gd name="connsiteY13" fmla="*/ 2352063 h 2352063"/>
-              <a:gd name="connsiteX14" fmla="*/ 2657190 w 4286879"/>
-              <a:gd name="connsiteY14" fmla="*/ 2352063 h 2352063"/>
-              <a:gd name="connsiteX15" fmla="*/ 2073383 w 4286879"/>
-              <a:gd name="connsiteY15" fmla="*/ 2352063 h 2352063"/>
-              <a:gd name="connsiteX16" fmla="*/ 1594661 w 4286879"/>
-              <a:gd name="connsiteY16" fmla="*/ 2352063 h 2352063"/>
-              <a:gd name="connsiteX17" fmla="*/ 940797 w 4286879"/>
-              <a:gd name="connsiteY17" fmla="*/ 2352063 h 2352063"/>
-              <a:gd name="connsiteX18" fmla="*/ 392018 w 4286879"/>
-              <a:gd name="connsiteY18" fmla="*/ 2352063 h 2352063"/>
-              <a:gd name="connsiteX19" fmla="*/ 0 w 4286879"/>
-              <a:gd name="connsiteY19" fmla="*/ 1960045 h 2352063"/>
-              <a:gd name="connsiteX20" fmla="*/ 0 w 4286879"/>
-              <a:gd name="connsiteY20" fmla="*/ 1484410 h 2352063"/>
-              <a:gd name="connsiteX21" fmla="*/ 0 w 4286879"/>
-              <a:gd name="connsiteY21" fmla="*/ 930374 h 2352063"/>
-              <a:gd name="connsiteX22" fmla="*/ 0 w 4286879"/>
-              <a:gd name="connsiteY22" fmla="*/ 392018 h 2352063"/>
+              <a:gd name="connsiteX0" fmla="*/ 0 w 3471021"/>
+              <a:gd name="connsiteY0" fmla="*/ 426130 h 2556726"/>
+              <a:gd name="connsiteX1" fmla="*/ 426130 w 3471021"/>
+              <a:gd name="connsiteY1" fmla="*/ 0 h 2556726"/>
+              <a:gd name="connsiteX2" fmla="*/ 1028445 w 3471021"/>
+              <a:gd name="connsiteY2" fmla="*/ 0 h 2556726"/>
+              <a:gd name="connsiteX3" fmla="*/ 1656948 w 3471021"/>
+              <a:gd name="connsiteY3" fmla="*/ 0 h 2556726"/>
+              <a:gd name="connsiteX4" fmla="*/ 2259263 w 3471021"/>
+              <a:gd name="connsiteY4" fmla="*/ 0 h 2556726"/>
+              <a:gd name="connsiteX5" fmla="*/ 3044891 w 3471021"/>
+              <a:gd name="connsiteY5" fmla="*/ 0 h 2556726"/>
+              <a:gd name="connsiteX6" fmla="*/ 3471021 w 3471021"/>
+              <a:gd name="connsiteY6" fmla="*/ 426130 h 2556726"/>
+              <a:gd name="connsiteX7" fmla="*/ 3471021 w 3471021"/>
+              <a:gd name="connsiteY7" fmla="*/ 994285 h 2556726"/>
+              <a:gd name="connsiteX8" fmla="*/ 3471021 w 3471021"/>
+              <a:gd name="connsiteY8" fmla="*/ 1562441 h 2556726"/>
+              <a:gd name="connsiteX9" fmla="*/ 3471021 w 3471021"/>
+              <a:gd name="connsiteY9" fmla="*/ 2130596 h 2556726"/>
+              <a:gd name="connsiteX10" fmla="*/ 3044891 w 3471021"/>
+              <a:gd name="connsiteY10" fmla="*/ 2556726 h 2556726"/>
+              <a:gd name="connsiteX11" fmla="*/ 2468764 w 3471021"/>
+              <a:gd name="connsiteY11" fmla="*/ 2556726 h 2556726"/>
+              <a:gd name="connsiteX12" fmla="*/ 1892636 w 3471021"/>
+              <a:gd name="connsiteY12" fmla="*/ 2556726 h 2556726"/>
+              <a:gd name="connsiteX13" fmla="*/ 1290321 w 3471021"/>
+              <a:gd name="connsiteY13" fmla="*/ 2556726 h 2556726"/>
+              <a:gd name="connsiteX14" fmla="*/ 426130 w 3471021"/>
+              <a:gd name="connsiteY14" fmla="*/ 2556726 h 2556726"/>
+              <a:gd name="connsiteX15" fmla="*/ 0 w 3471021"/>
+              <a:gd name="connsiteY15" fmla="*/ 2130596 h 2556726"/>
+              <a:gd name="connsiteX16" fmla="*/ 0 w 3471021"/>
+              <a:gd name="connsiteY16" fmla="*/ 1579485 h 2556726"/>
+              <a:gd name="connsiteX17" fmla="*/ 0 w 3471021"/>
+              <a:gd name="connsiteY17" fmla="*/ 1011330 h 2556726"/>
+              <a:gd name="connsiteX18" fmla="*/ 0 w 3471021"/>
+              <a:gd name="connsiteY18" fmla="*/ 426130 h 2556726"/>
             </a:gdLst>
             <a:ahLst/>
             <a:cxnLst>
@@ -48953,245 +50709,198 @@
               <a:cxn ang="0">
                 <a:pos x="connsiteX18" y="connsiteY18"/>
               </a:cxn>
-              <a:cxn ang="0">
-                <a:pos x="connsiteX19" y="connsiteY19"/>
-              </a:cxn>
-              <a:cxn ang="0">
-                <a:pos x="connsiteX20" y="connsiteY20"/>
-              </a:cxn>
-              <a:cxn ang="0">
-                <a:pos x="connsiteX21" y="connsiteY21"/>
-              </a:cxn>
-              <a:cxn ang="0">
-                <a:pos x="connsiteX22" y="connsiteY22"/>
-              </a:cxn>
             </a:cxnLst>
             <a:rect l="l" t="t" r="r" b="b"/>
             <a:pathLst>
-              <a:path w="4286879" h="2352063" fill="none" extrusionOk="0">
+              <a:path w="3471021" h="2556726" fill="none" extrusionOk="0">
                 <a:moveTo>
-                  <a:pt x="0" y="392018"/>
+                  <a:pt x="0" y="426130"/>
                 </a:moveTo>
                 <a:cubicBezTo>
-                  <a:pt x="-8072" y="147407"/>
-                  <a:pt x="197454" y="18794"/>
-                  <a:pt x="392018" y="0"/>
+                  <a:pt x="15118" y="189861"/>
+                  <a:pt x="189346" y="6491"/>
+                  <a:pt x="426130" y="0"/>
                 </a:cubicBezTo>
                 <a:cubicBezTo>
-                  <a:pt x="516370" y="22235"/>
-                  <a:pt x="765917" y="-4327"/>
-                  <a:pt x="905768" y="0"/>
+                  <a:pt x="575137" y="-25180"/>
+                  <a:pt x="885305" y="5363"/>
+                  <a:pt x="1028445" y="0"/>
                 </a:cubicBezTo>
                 <a:cubicBezTo>
-                  <a:pt x="1045619" y="4327"/>
-                  <a:pt x="1254202" y="-19010"/>
-                  <a:pt x="1559632" y="0"/>
+                  <a:pt x="1171585" y="-5363"/>
+                  <a:pt x="1375197" y="-16404"/>
+                  <a:pt x="1656948" y="0"/>
                 </a:cubicBezTo>
                 <a:cubicBezTo>
-                  <a:pt x="1865062" y="19010"/>
-                  <a:pt x="1839794" y="-13727"/>
-                  <a:pt x="2073383" y="0"/>
+                  <a:pt x="1938699" y="16404"/>
+                  <a:pt x="2101893" y="-611"/>
+                  <a:pt x="2259263" y="0"/>
                 </a:cubicBezTo>
                 <a:cubicBezTo>
-                  <a:pt x="2306972" y="13727"/>
-                  <a:pt x="2511989" y="-5329"/>
-                  <a:pt x="2692218" y="0"/>
+                  <a:pt x="2416633" y="611"/>
+                  <a:pt x="2713102" y="11822"/>
+                  <a:pt x="3044891" y="0"/>
                 </a:cubicBezTo>
                 <a:cubicBezTo>
-                  <a:pt x="2872448" y="5329"/>
-                  <a:pt x="3007918" y="-12554"/>
-                  <a:pt x="3276025" y="0"/>
+                  <a:pt x="3289598" y="27724"/>
+                  <a:pt x="3475239" y="155007"/>
+                  <a:pt x="3471021" y="426130"/>
                 </a:cubicBezTo>
                 <a:cubicBezTo>
-                  <a:pt x="3544132" y="12554"/>
-                  <a:pt x="3687302" y="-1168"/>
-                  <a:pt x="3894861" y="0"/>
+                  <a:pt x="3486822" y="594242"/>
+                  <a:pt x="3474586" y="856613"/>
+                  <a:pt x="3471021" y="994285"/>
                 </a:cubicBezTo>
                 <a:cubicBezTo>
-                  <a:pt x="4109010" y="-15007"/>
-                  <a:pt x="4309458" y="197891"/>
-                  <a:pt x="4286879" y="392018"/>
+                  <a:pt x="3467456" y="1131957"/>
+                  <a:pt x="3476580" y="1304032"/>
+                  <a:pt x="3471021" y="1562441"/>
                 </a:cubicBezTo>
                 <a:cubicBezTo>
-                  <a:pt x="4275496" y="584401"/>
-                  <a:pt x="4306629" y="653687"/>
-                  <a:pt x="4286879" y="867653"/>
+                  <a:pt x="3465462" y="1820850"/>
+                  <a:pt x="3461393" y="1939667"/>
+                  <a:pt x="3471021" y="2130596"/>
                 </a:cubicBezTo>
                 <a:cubicBezTo>
-                  <a:pt x="4267129" y="1081619"/>
-                  <a:pt x="4306062" y="1132297"/>
-                  <a:pt x="4286879" y="1343288"/>
+                  <a:pt x="3467129" y="2341167"/>
+                  <a:pt x="3313778" y="2589971"/>
+                  <a:pt x="3044891" y="2556726"/>
                 </a:cubicBezTo>
                 <a:cubicBezTo>
-                  <a:pt x="4267696" y="1554279"/>
-                  <a:pt x="4307146" y="1665836"/>
-                  <a:pt x="4286879" y="1960045"/>
+                  <a:pt x="2857299" y="2569700"/>
+                  <a:pt x="2679075" y="2544127"/>
+                  <a:pt x="2468764" y="2556726"/>
                 </a:cubicBezTo>
                 <a:cubicBezTo>
-                  <a:pt x="4278681" y="2192302"/>
-                  <a:pt x="4107907" y="2371153"/>
-                  <a:pt x="3894861" y="2352063"/>
+                  <a:pt x="2258453" y="2569325"/>
+                  <a:pt x="2056168" y="2559268"/>
+                  <a:pt x="1892636" y="2556726"/>
                 </a:cubicBezTo>
                 <a:cubicBezTo>
-                  <a:pt x="3744443" y="2377101"/>
-                  <a:pt x="3560040" y="2370891"/>
-                  <a:pt x="3240997" y="2352063"/>
+                  <a:pt x="1729104" y="2554184"/>
+                  <a:pt x="1555899" y="2531661"/>
+                  <a:pt x="1290321" y="2556726"/>
                 </a:cubicBezTo>
                 <a:cubicBezTo>
-                  <a:pt x="2921954" y="2333235"/>
-                  <a:pt x="2904121" y="2330743"/>
-                  <a:pt x="2657190" y="2352063"/>
+                  <a:pt x="1024743" y="2581791"/>
+                  <a:pt x="704136" y="2580925"/>
+                  <a:pt x="426130" y="2556726"/>
                 </a:cubicBezTo>
                 <a:cubicBezTo>
-                  <a:pt x="2410259" y="2373383"/>
-                  <a:pt x="2259804" y="2359408"/>
-                  <a:pt x="2073383" y="2352063"/>
+                  <a:pt x="242424" y="2533208"/>
+                  <a:pt x="-44421" y="2362045"/>
+                  <a:pt x="0" y="2130596"/>
                 </a:cubicBezTo>
                 <a:cubicBezTo>
-                  <a:pt x="1886962" y="2344718"/>
-                  <a:pt x="1707737" y="2349670"/>
-                  <a:pt x="1594661" y="2352063"/>
+                  <a:pt x="5964" y="1900768"/>
+                  <a:pt x="-1127" y="1848674"/>
+                  <a:pt x="0" y="1579485"/>
                 </a:cubicBezTo>
                 <a:cubicBezTo>
-                  <a:pt x="1481585" y="2354456"/>
-                  <a:pt x="1202957" y="2359088"/>
-                  <a:pt x="940797" y="2352063"/>
+                  <a:pt x="1127" y="1310296"/>
+                  <a:pt x="-26343" y="1211608"/>
+                  <a:pt x="0" y="1011330"/>
                 </a:cubicBezTo>
                 <a:cubicBezTo>
-                  <a:pt x="678637" y="2345038"/>
-                  <a:pt x="553934" y="2374076"/>
-                  <a:pt x="392018" y="2352063"/>
-                </a:cubicBezTo>
-                <a:cubicBezTo>
-                  <a:pt x="189649" y="2387338"/>
-                  <a:pt x="5887" y="2208749"/>
-                  <a:pt x="0" y="1960045"/>
-                </a:cubicBezTo>
-                <a:cubicBezTo>
-                  <a:pt x="11842" y="1748714"/>
-                  <a:pt x="23090" y="1644973"/>
-                  <a:pt x="0" y="1484410"/>
-                </a:cubicBezTo>
-                <a:cubicBezTo>
-                  <a:pt x="-23090" y="1323848"/>
-                  <a:pt x="-560" y="1099222"/>
-                  <a:pt x="0" y="930374"/>
-                </a:cubicBezTo>
-                <a:cubicBezTo>
-                  <a:pt x="560" y="761526"/>
-                  <a:pt x="16975" y="505411"/>
-                  <a:pt x="0" y="392018"/>
+                  <a:pt x="26343" y="811053"/>
+                  <a:pt x="-11494" y="682051"/>
+                  <a:pt x="0" y="426130"/>
                 </a:cubicBezTo>
                 <a:close/>
               </a:path>
-              <a:path w="4286879" h="2352063" stroke="0" extrusionOk="0">
+              <a:path w="3471021" h="2556726" stroke="0" extrusionOk="0">
                 <a:moveTo>
-                  <a:pt x="0" y="392018"/>
+                  <a:pt x="0" y="426130"/>
                 </a:moveTo>
                 <a:cubicBezTo>
-                  <a:pt x="5258" y="174001"/>
-                  <a:pt x="162077" y="19023"/>
-                  <a:pt x="392018" y="0"/>
+                  <a:pt x="33290" y="181219"/>
+                  <a:pt x="161342" y="41692"/>
+                  <a:pt x="426130" y="0"/>
                 </a:cubicBezTo>
                 <a:cubicBezTo>
-                  <a:pt x="596903" y="21368"/>
-                  <a:pt x="709035" y="1678"/>
-                  <a:pt x="905768" y="0"/>
+                  <a:pt x="595861" y="26760"/>
+                  <a:pt x="771202" y="19201"/>
+                  <a:pt x="1028445" y="0"/>
                 </a:cubicBezTo>
                 <a:cubicBezTo>
-                  <a:pt x="1102501" y="-1678"/>
-                  <a:pt x="1276488" y="13301"/>
-                  <a:pt x="1524604" y="0"/>
+                  <a:pt x="1285688" y="-19201"/>
+                  <a:pt x="1549576" y="-32254"/>
+                  <a:pt x="1709323" y="0"/>
                 </a:cubicBezTo>
                 <a:cubicBezTo>
-                  <a:pt x="1772720" y="-13301"/>
-                  <a:pt x="1998099" y="5160"/>
-                  <a:pt x="2178468" y="0"/>
+                  <a:pt x="1869070" y="32254"/>
+                  <a:pt x="2147659" y="16572"/>
+                  <a:pt x="2416388" y="0"/>
                 </a:cubicBezTo>
                 <a:cubicBezTo>
-                  <a:pt x="2358837" y="-5160"/>
-                  <a:pt x="2553719" y="-8598"/>
-                  <a:pt x="2762275" y="0"/>
+                  <a:pt x="2685117" y="-16572"/>
+                  <a:pt x="2861258" y="-14313"/>
+                  <a:pt x="3044891" y="0"/>
                 </a:cubicBezTo>
                 <a:cubicBezTo>
-                  <a:pt x="2970831" y="8598"/>
-                  <a:pt x="3578464" y="-54541"/>
-                  <a:pt x="3894861" y="0"/>
+                  <a:pt x="3260744" y="-3995"/>
+                  <a:pt x="3472602" y="223072"/>
+                  <a:pt x="3471021" y="426130"/>
                 </a:cubicBezTo>
                 <a:cubicBezTo>
-                  <a:pt x="4148177" y="-21025"/>
-                  <a:pt x="4317670" y="182166"/>
-                  <a:pt x="4286879" y="392018"/>
+                  <a:pt x="3458867" y="609108"/>
+                  <a:pt x="3482962" y="774721"/>
+                  <a:pt x="3471021" y="977241"/>
                 </a:cubicBezTo>
                 <a:cubicBezTo>
-                  <a:pt x="4299343" y="578711"/>
-                  <a:pt x="4281271" y="665109"/>
-                  <a:pt x="4286879" y="867653"/>
+                  <a:pt x="3459080" y="1179761"/>
+                  <a:pt x="3477365" y="1430638"/>
+                  <a:pt x="3471021" y="1579485"/>
                 </a:cubicBezTo>
                 <a:cubicBezTo>
-                  <a:pt x="4292487" y="1070197"/>
-                  <a:pt x="4286214" y="1150681"/>
-                  <a:pt x="4286879" y="1421689"/>
+                  <a:pt x="3464677" y="1728332"/>
+                  <a:pt x="3459067" y="1907340"/>
+                  <a:pt x="3471021" y="2130596"/>
                 </a:cubicBezTo>
                 <a:cubicBezTo>
-                  <a:pt x="4287544" y="1692697"/>
-                  <a:pt x="4307398" y="1817928"/>
-                  <a:pt x="4286879" y="1960045"/>
+                  <a:pt x="3472298" y="2380595"/>
+                  <a:pt x="3269131" y="2573539"/>
+                  <a:pt x="3044891" y="2556726"/>
                 </a:cubicBezTo>
                 <a:cubicBezTo>
-                  <a:pt x="4285140" y="2168678"/>
-                  <a:pt x="4107744" y="2347852"/>
-                  <a:pt x="3894861" y="2352063"/>
+                  <a:pt x="2785636" y="2560565"/>
+                  <a:pt x="2696931" y="2578442"/>
+                  <a:pt x="2468764" y="2556726"/>
                 </a:cubicBezTo>
                 <a:cubicBezTo>
-                  <a:pt x="3659856" y="2351794"/>
-                  <a:pt x="3568707" y="2349923"/>
-                  <a:pt x="3381111" y="2352063"/>
+                  <a:pt x="2240597" y="2535010"/>
+                  <a:pt x="2072640" y="2580840"/>
+                  <a:pt x="1787886" y="2556726"/>
                 </a:cubicBezTo>
                 <a:cubicBezTo>
-                  <a:pt x="3193515" y="2354204"/>
-                  <a:pt x="2896398" y="2367835"/>
-                  <a:pt x="2727247" y="2352063"/>
+                  <a:pt x="1503132" y="2532612"/>
+                  <a:pt x="1237188" y="2550376"/>
+                  <a:pt x="1080820" y="2556726"/>
                 </a:cubicBezTo>
                 <a:cubicBezTo>
-                  <a:pt x="2558096" y="2336291"/>
-                  <a:pt x="2266809" y="2375639"/>
-                  <a:pt x="2073383" y="2352063"/>
+                  <a:pt x="924452" y="2563076"/>
+                  <a:pt x="559630" y="2558194"/>
+                  <a:pt x="426130" y="2556726"/>
                 </a:cubicBezTo>
                 <a:cubicBezTo>
-                  <a:pt x="1879957" y="2328487"/>
-                  <a:pt x="1650212" y="2352227"/>
-                  <a:pt x="1419519" y="2352063"/>
+                  <a:pt x="237674" y="2580048"/>
+                  <a:pt x="6105" y="2369777"/>
+                  <a:pt x="0" y="2130596"/>
                 </a:cubicBezTo>
                 <a:cubicBezTo>
-                  <a:pt x="1188826" y="2351899"/>
-                  <a:pt x="1170412" y="2329465"/>
-                  <a:pt x="940797" y="2352063"/>
+                  <a:pt x="-18946" y="2008098"/>
+                  <a:pt x="-666" y="1658455"/>
+                  <a:pt x="0" y="1528351"/>
                 </a:cubicBezTo>
                 <a:cubicBezTo>
-                  <a:pt x="711182" y="2374661"/>
-                  <a:pt x="595707" y="2349740"/>
-                  <a:pt x="392018" y="2352063"/>
+                  <a:pt x="666" y="1398248"/>
+                  <a:pt x="10108" y="1127702"/>
+                  <a:pt x="0" y="926107"/>
                 </a:cubicBezTo>
                 <a:cubicBezTo>
-                  <a:pt x="164436" y="2356872"/>
-                  <a:pt x="-20306" y="2133978"/>
-                  <a:pt x="0" y="1960045"/>
-                </a:cubicBezTo>
-                <a:cubicBezTo>
-                  <a:pt x="11478" y="1720732"/>
-                  <a:pt x="24976" y="1699354"/>
-                  <a:pt x="0" y="1453050"/>
-                </a:cubicBezTo>
-                <a:cubicBezTo>
-                  <a:pt x="-24976" y="1206747"/>
-                  <a:pt x="-23410" y="1063301"/>
-                  <a:pt x="0" y="946054"/>
-                </a:cubicBezTo>
-                <a:cubicBezTo>
-                  <a:pt x="23410" y="828807"/>
-                  <a:pt x="850" y="636990"/>
-                  <a:pt x="0" y="392018"/>
+                  <a:pt x="-10108" y="724512"/>
+                  <a:pt x="17600" y="571342"/>
+                  <a:pt x="0" y="426130"/>
                 </a:cubicBezTo>
                 <a:close/>
               </a:path>
@@ -49351,7 +51060,7 @@
 </p:sld>
 </file>
 
-<file path=ppt/slides/slide21.xml><?xml version="1.0" encoding="utf-8"?>
+<file path=ppt/slides/slide22.xml><?xml version="1.0" encoding="utf-8"?>
 <p:sld xmlns:a="http://schemas.openxmlformats.org/drawingml/2006/main" xmlns:r="http://schemas.openxmlformats.org/officeDocument/2006/relationships" xmlns:p="http://schemas.openxmlformats.org/presentationml/2006/main">
   <p:cSld>
     <p:spTree>
@@ -49521,7 +51230,7 @@
             <a:fld id="{2DDEA8E7-5F55-4A60-8EF9-470692FC5635}" type="slidenum">
               <a:rPr lang="en-US" noProof="0" smtClean="0"/>
               <a:pPr/>
-              <a:t>21</a:t>
+              <a:t>22</a:t>
             </a:fld>
             <a:endParaRPr lang="en-US" noProof="0"/>
           </a:p>
@@ -49575,7 +51284,7 @@
 </p:sld>
 </file>
 
-<file path=ppt/slides/slide22.xml><?xml version="1.0" encoding="utf-8"?>
+<file path=ppt/slides/slide23.xml><?xml version="1.0" encoding="utf-8"?>
 <p:sld xmlns:a="http://schemas.openxmlformats.org/drawingml/2006/main" xmlns:r="http://schemas.openxmlformats.org/officeDocument/2006/relationships" xmlns:p="http://schemas.openxmlformats.org/presentationml/2006/main">
   <p:cSld>
     <p:spTree>
